--- a/软件方法学作业4说明.pptx
+++ b/软件方法学作业4说明.pptx
@@ -261,7 +261,7 @@
             <a:fld id="{9C6FB84D-39E8-4C21-AA4E-4F381C026902}" type="datetimeFigureOut">
               <a:rPr lang="zh-CN" altLang="en-US" smtClean="0"/>
               <a:pPr/>
-              <a:t>2019/11/8</a:t>
+              <a:t>2019/11/11</a:t>
             </a:fld>
             <a:endParaRPr lang="zh-CN" altLang="en-US"/>
           </a:p>
@@ -629,35 +629,35 @@
           <a:p>
             <a:pPr lvl="0"/>
             <a:r>
-              <a:rPr lang="zh-CN" altLang="en-US" noProof="0" smtClean="0"/>
+              <a:rPr lang="zh-CN" altLang="en-US" noProof="0"/>
               <a:t>单击此处编辑母版文本样式</a:t>
             </a:r>
           </a:p>
           <a:p>
             <a:pPr lvl="1"/>
             <a:r>
-              <a:rPr lang="zh-CN" altLang="en-US" noProof="0" smtClean="0"/>
+              <a:rPr lang="zh-CN" altLang="en-US" noProof="0"/>
               <a:t>第二级</a:t>
             </a:r>
           </a:p>
           <a:p>
             <a:pPr lvl="2"/>
             <a:r>
-              <a:rPr lang="zh-CN" altLang="en-US" noProof="0" smtClean="0"/>
+              <a:rPr lang="zh-CN" altLang="en-US" noProof="0"/>
               <a:t>第三级</a:t>
             </a:r>
           </a:p>
           <a:p>
             <a:pPr lvl="3"/>
             <a:r>
-              <a:rPr lang="zh-CN" altLang="en-US" noProof="0" smtClean="0"/>
+              <a:rPr lang="zh-CN" altLang="en-US" noProof="0"/>
               <a:t>第四级</a:t>
             </a:r>
           </a:p>
           <a:p>
             <a:pPr lvl="4"/>
             <a:r>
-              <a:rPr lang="zh-CN" altLang="en-US" noProof="0" smtClean="0"/>
+              <a:rPr lang="zh-CN" altLang="en-US" noProof="0"/>
               <a:t>第五级</a:t>
             </a:r>
           </a:p>
@@ -1135,7 +1135,7 @@
           <a:lstStyle/>
           <a:p>
             <a:pPr eaLnBrk="1" hangingPunct="1"/>
-            <a:endParaRPr lang="zh-CN" altLang="zh-CN" smtClean="0"/>
+            <a:endParaRPr lang="zh-CN" altLang="zh-CN"/>
           </a:p>
         </p:txBody>
       </p:sp>
@@ -1196,6 +1196,32 @@
           <a:bodyPr/>
           <a:lstStyle/>
           <a:p>
+            <a:r>
+              <a:rPr kumimoji="1" lang="en-US" altLang="zh-CN" dirty="0"/>
+              <a:t>LinkedList</a:t>
+            </a:r>
+            <a:r>
+              <a:rPr kumimoji="1" lang="zh-CN" altLang="en-US" dirty="0"/>
+              <a:t>对应</a:t>
+            </a:r>
+            <a:r>
+              <a:rPr kumimoji="1" lang="en-US" altLang="zh-CN" dirty="0"/>
+              <a:t>[Array, Array]</a:t>
+            </a:r>
+          </a:p>
+          <a:p>
+            <a:r>
+              <a:rPr kumimoji="1" lang="en-US" altLang="zh-CN" dirty="0"/>
+              <a:t>o</a:t>
+            </a:r>
+            <a:r>
+              <a:rPr kumimoji="1" lang="zh-CN" altLang="en-US" dirty="0"/>
+              <a:t>对应</a:t>
+            </a:r>
+            <a:r>
+              <a:rPr kumimoji="1" lang="en-US" altLang="zh-CN" dirty="0"/>
+              <a:t>Element</a:t>
+            </a:r>
             <a:endParaRPr kumimoji="1" lang="zh-CN" altLang="en-US" dirty="0"/>
           </a:p>
         </p:txBody>
@@ -1332,6 +1358,212 @@
 </p:notes>
 </file>
 
+<file path=ppt/notesSlides/notesSlide4.xml><?xml version="1.0" encoding="utf-8"?>
+<p:notes xmlns:a="http://schemas.openxmlformats.org/drawingml/2006/main" xmlns:r="http://schemas.openxmlformats.org/officeDocument/2006/relationships" xmlns:p="http://schemas.openxmlformats.org/presentationml/2006/main">
+  <p:cSld>
+    <p:spTree>
+      <p:nvGrpSpPr>
+        <p:cNvPr id="1" name=""/>
+        <p:cNvGrpSpPr/>
+        <p:nvPr/>
+      </p:nvGrpSpPr>
+      <p:grpSpPr>
+        <a:xfrm>
+          <a:off x="0" y="0"/>
+          <a:ext cx="0" cy="0"/>
+          <a:chOff x="0" y="0"/>
+          <a:chExt cx="0" cy="0"/>
+        </a:xfrm>
+      </p:grpSpPr>
+      <p:sp>
+        <p:nvSpPr>
+          <p:cNvPr id="2" name="幻灯片图像占位符 1"/>
+          <p:cNvSpPr>
+            <a:spLocks noGrp="1" noRot="1" noChangeAspect="1"/>
+          </p:cNvSpPr>
+          <p:nvPr>
+            <p:ph type="sldImg"/>
+          </p:nvPr>
+        </p:nvSpPr>
+        <p:spPr/>
+      </p:sp>
+      <p:sp>
+        <p:nvSpPr>
+          <p:cNvPr id="3" name="备注占位符 2"/>
+          <p:cNvSpPr>
+            <a:spLocks noGrp="1"/>
+          </p:cNvSpPr>
+          <p:nvPr>
+            <p:ph type="body" idx="1"/>
+          </p:nvPr>
+        </p:nvSpPr>
+        <p:spPr/>
+        <p:txBody>
+          <a:bodyPr/>
+          <a:lstStyle/>
+          <a:p>
+            <a:pPr marL="0" marR="0" lvl="0" indent="0" algn="l" defTabSz="914400" rtl="0" eaLnBrk="0" fontAlgn="base" latinLnBrk="0" hangingPunct="0">
+              <a:lnSpc>
+                <a:spcPct val="100000"/>
+              </a:lnSpc>
+              <a:spcBef>
+                <a:spcPct val="30000"/>
+              </a:spcBef>
+              <a:spcAft>
+                <a:spcPct val="0"/>
+              </a:spcAft>
+              <a:buClrTx/>
+              <a:buSzTx/>
+              <a:buFontTx/>
+              <a:buNone/>
+              <a:tabLst/>
+              <a:defRPr/>
+            </a:pPr>
+            <a:r>
+              <a:rPr kumimoji="1" lang="zh-CN" altLang="en-US"/>
+              <a:t>上面是下面这个的编写示例</a:t>
+            </a:r>
+          </a:p>
+          <a:p>
+            <a:endParaRPr kumimoji="1" lang="zh-CN" altLang="en-US"/>
+          </a:p>
+        </p:txBody>
+      </p:sp>
+      <p:sp>
+        <p:nvSpPr>
+          <p:cNvPr id="4" name="灯片编号占位符 3"/>
+          <p:cNvSpPr>
+            <a:spLocks noGrp="1"/>
+          </p:cNvSpPr>
+          <p:nvPr>
+            <p:ph type="sldNum" sz="quarter" idx="5"/>
+          </p:nvPr>
+        </p:nvSpPr>
+        <p:spPr/>
+        <p:txBody>
+          <a:bodyPr/>
+          <a:lstStyle/>
+          <a:p>
+            <a:pPr>
+              <a:defRPr/>
+            </a:pPr>
+            <a:fld id="{C8BD6A3D-745A-4E1D-A910-7A3F38A84B5F}" type="slidenum">
+              <a:rPr lang="en-US" altLang="zh-CN" smtClean="0"/>
+              <a:pPr>
+                <a:defRPr/>
+              </a:pPr>
+              <a:t>10</a:t>
+            </a:fld>
+            <a:endParaRPr lang="en-US" altLang="zh-CN"/>
+          </a:p>
+        </p:txBody>
+      </p:sp>
+    </p:spTree>
+    <p:extLst>
+      <p:ext uri="{BB962C8B-B14F-4D97-AF65-F5344CB8AC3E}">
+        <p14:creationId xmlns:p14="http://schemas.microsoft.com/office/powerpoint/2010/main" val="584447177"/>
+      </p:ext>
+    </p:extLst>
+  </p:cSld>
+  <p:clrMapOvr>
+    <a:masterClrMapping/>
+  </p:clrMapOvr>
+</p:notes>
+</file>
+
+<file path=ppt/notesSlides/notesSlide5.xml><?xml version="1.0" encoding="utf-8"?>
+<p:notes xmlns:a="http://schemas.openxmlformats.org/drawingml/2006/main" xmlns:r="http://schemas.openxmlformats.org/officeDocument/2006/relationships" xmlns:p="http://schemas.openxmlformats.org/presentationml/2006/main">
+  <p:cSld>
+    <p:spTree>
+      <p:nvGrpSpPr>
+        <p:cNvPr id="1" name=""/>
+        <p:cNvGrpSpPr/>
+        <p:nvPr/>
+      </p:nvGrpSpPr>
+      <p:grpSpPr>
+        <a:xfrm>
+          <a:off x="0" y="0"/>
+          <a:ext cx="0" cy="0"/>
+          <a:chOff x="0" y="0"/>
+          <a:chExt cx="0" cy="0"/>
+        </a:xfrm>
+      </p:grpSpPr>
+      <p:sp>
+        <p:nvSpPr>
+          <p:cNvPr id="2" name="幻灯片图像占位符 1"/>
+          <p:cNvSpPr>
+            <a:spLocks noGrp="1" noRot="1" noChangeAspect="1"/>
+          </p:cNvSpPr>
+          <p:nvPr>
+            <p:ph type="sldImg"/>
+          </p:nvPr>
+        </p:nvSpPr>
+        <p:spPr/>
+      </p:sp>
+      <p:sp>
+        <p:nvSpPr>
+          <p:cNvPr id="3" name="备注占位符 2"/>
+          <p:cNvSpPr>
+            <a:spLocks noGrp="1"/>
+          </p:cNvSpPr>
+          <p:nvPr>
+            <p:ph type="body" idx="1"/>
+          </p:nvPr>
+        </p:nvSpPr>
+        <p:spPr/>
+        <p:txBody>
+          <a:bodyPr/>
+          <a:lstStyle/>
+          <a:p>
+            <a:r>
+              <a:rPr kumimoji="1" lang="zh-CN" altLang="en-US" dirty="0"/>
+              <a:t>上面是下面这个的编写示例</a:t>
+            </a:r>
+          </a:p>
+        </p:txBody>
+      </p:sp>
+      <p:sp>
+        <p:nvSpPr>
+          <p:cNvPr id="4" name="灯片编号占位符 3"/>
+          <p:cNvSpPr>
+            <a:spLocks noGrp="1"/>
+          </p:cNvSpPr>
+          <p:nvPr>
+            <p:ph type="sldNum" sz="quarter" idx="5"/>
+          </p:nvPr>
+        </p:nvSpPr>
+        <p:spPr/>
+        <p:txBody>
+          <a:bodyPr/>
+          <a:lstStyle/>
+          <a:p>
+            <a:pPr>
+              <a:defRPr/>
+            </a:pPr>
+            <a:fld id="{C8BD6A3D-745A-4E1D-A910-7A3F38A84B5F}" type="slidenum">
+              <a:rPr lang="en-US" altLang="zh-CN" smtClean="0"/>
+              <a:pPr>
+                <a:defRPr/>
+              </a:pPr>
+              <a:t>11</a:t>
+            </a:fld>
+            <a:endParaRPr lang="en-US" altLang="zh-CN"/>
+          </a:p>
+        </p:txBody>
+      </p:sp>
+    </p:spTree>
+    <p:extLst>
+      <p:ext uri="{BB962C8B-B14F-4D97-AF65-F5344CB8AC3E}">
+        <p14:creationId xmlns:p14="http://schemas.microsoft.com/office/powerpoint/2010/main" val="2189516806"/>
+      </p:ext>
+    </p:extLst>
+  </p:cSld>
+  <p:clrMapOvr>
+    <a:masterClrMapping/>
+  </p:clrMapOvr>
+</p:notes>
+</file>
+
 <file path=ppt/slideLayouts/slideLayout1.xml><?xml version="1.0" encoding="utf-8"?>
 <p:sldLayout xmlns:a="http://schemas.openxmlformats.org/drawingml/2006/main" xmlns:r="http://schemas.openxmlformats.org/officeDocument/2006/relationships" xmlns:p="http://schemas.openxmlformats.org/presentationml/2006/main" type="title" preserve="1">
   <p:cSld name="标题幻灯片">
@@ -1374,10 +1606,9 @@
           </a:lstStyle>
           <a:p>
             <a:r>
-              <a:rPr lang="zh-CN" altLang="en-US" smtClean="0"/>
+              <a:rPr lang="zh-CN" altLang="en-US"/>
               <a:t>单击此处编辑母版标题样式</a:t>
             </a:r>
-            <a:endParaRPr lang="zh-CN" altLang="en-US"/>
           </a:p>
         </p:txBody>
       </p:sp>
@@ -1439,10 +1670,9 @@
           </a:lstStyle>
           <a:p>
             <a:r>
-              <a:rPr lang="zh-CN" altLang="en-US" smtClean="0"/>
+              <a:rPr lang="zh-CN" altLang="en-US"/>
               <a:t>单击此处编辑母版副标题样式</a:t>
             </a:r>
-            <a:endParaRPr lang="zh-CN" altLang="en-US"/>
           </a:p>
         </p:txBody>
       </p:sp>
@@ -1475,7 +1705,7 @@
               <a:pPr>
                 <a:defRPr/>
               </a:pPr>
-              <a:t>2019/11/8</a:t>
+              <a:t>2019/11/11</a:t>
             </a:fld>
             <a:endParaRPr lang="en-US" altLang="zh-CN"/>
           </a:p>
@@ -1590,10 +1820,9 @@
           <a:lstStyle/>
           <a:p>
             <a:r>
-              <a:rPr lang="zh-CN" altLang="en-US" smtClean="0"/>
+              <a:rPr lang="zh-CN" altLang="en-US"/>
               <a:t>单击此处编辑母版标题样式</a:t>
             </a:r>
-            <a:endParaRPr lang="zh-CN" altLang="en-US"/>
           </a:p>
         </p:txBody>
       </p:sp>
@@ -1614,38 +1843,37 @@
           <a:p>
             <a:pPr lvl="0"/>
             <a:r>
-              <a:rPr lang="zh-CN" altLang="en-US" smtClean="0"/>
+              <a:rPr lang="zh-CN" altLang="en-US"/>
               <a:t>单击此处编辑母版文本样式</a:t>
             </a:r>
           </a:p>
           <a:p>
             <a:pPr lvl="1"/>
             <a:r>
-              <a:rPr lang="zh-CN" altLang="en-US" smtClean="0"/>
+              <a:rPr lang="zh-CN" altLang="en-US"/>
               <a:t>第二级</a:t>
             </a:r>
           </a:p>
           <a:p>
             <a:pPr lvl="2"/>
             <a:r>
-              <a:rPr lang="zh-CN" altLang="en-US" smtClean="0"/>
+              <a:rPr lang="zh-CN" altLang="en-US"/>
               <a:t>第三级</a:t>
             </a:r>
           </a:p>
           <a:p>
             <a:pPr lvl="3"/>
             <a:r>
-              <a:rPr lang="zh-CN" altLang="en-US" smtClean="0"/>
+              <a:rPr lang="zh-CN" altLang="en-US"/>
               <a:t>第四级</a:t>
             </a:r>
           </a:p>
           <a:p>
             <a:pPr lvl="4"/>
             <a:r>
-              <a:rPr lang="zh-CN" altLang="en-US" smtClean="0"/>
+              <a:rPr lang="zh-CN" altLang="en-US"/>
               <a:t>第五级</a:t>
             </a:r>
-            <a:endParaRPr lang="zh-CN" altLang="en-US"/>
           </a:p>
         </p:txBody>
       </p:sp>
@@ -1678,7 +1906,7 @@
               <a:pPr>
                 <a:defRPr/>
               </a:pPr>
-              <a:t>2019/11/8</a:t>
+              <a:t>2019/11/11</a:t>
             </a:fld>
             <a:endParaRPr lang="en-US" altLang="zh-CN"/>
           </a:p>
@@ -1798,10 +2026,9 @@
           <a:lstStyle/>
           <a:p>
             <a:r>
-              <a:rPr lang="zh-CN" altLang="en-US" smtClean="0"/>
+              <a:rPr lang="zh-CN" altLang="en-US"/>
               <a:t>单击此处编辑母版标题样式</a:t>
             </a:r>
-            <a:endParaRPr lang="zh-CN" altLang="en-US"/>
           </a:p>
         </p:txBody>
       </p:sp>
@@ -1827,38 +2054,37 @@
           <a:p>
             <a:pPr lvl="0"/>
             <a:r>
-              <a:rPr lang="zh-CN" altLang="en-US" smtClean="0"/>
+              <a:rPr lang="zh-CN" altLang="en-US"/>
               <a:t>单击此处编辑母版文本样式</a:t>
             </a:r>
           </a:p>
           <a:p>
             <a:pPr lvl="1"/>
             <a:r>
-              <a:rPr lang="zh-CN" altLang="en-US" smtClean="0"/>
+              <a:rPr lang="zh-CN" altLang="en-US"/>
               <a:t>第二级</a:t>
             </a:r>
           </a:p>
           <a:p>
             <a:pPr lvl="2"/>
             <a:r>
-              <a:rPr lang="zh-CN" altLang="en-US" smtClean="0"/>
+              <a:rPr lang="zh-CN" altLang="en-US"/>
               <a:t>第三级</a:t>
             </a:r>
           </a:p>
           <a:p>
             <a:pPr lvl="3"/>
             <a:r>
-              <a:rPr lang="zh-CN" altLang="en-US" smtClean="0"/>
+              <a:rPr lang="zh-CN" altLang="en-US"/>
               <a:t>第四级</a:t>
             </a:r>
           </a:p>
           <a:p>
             <a:pPr lvl="4"/>
             <a:r>
-              <a:rPr lang="zh-CN" altLang="en-US" smtClean="0"/>
+              <a:rPr lang="zh-CN" altLang="en-US"/>
               <a:t>第五级</a:t>
             </a:r>
-            <a:endParaRPr lang="zh-CN" altLang="en-US"/>
           </a:p>
         </p:txBody>
       </p:sp>
@@ -1891,7 +2117,7 @@
               <a:pPr>
                 <a:defRPr/>
               </a:pPr>
-              <a:t>2019/11/8</a:t>
+              <a:t>2019/11/11</a:t>
             </a:fld>
             <a:endParaRPr lang="en-US" altLang="zh-CN"/>
           </a:p>
@@ -2724,7 +2950,7 @@
           <a:p>
             <a:pPr lvl="0"/>
             <a:r>
-              <a:rPr lang="zh-CN" altLang="en-US" noProof="0" smtClean="0"/>
+              <a:rPr lang="zh-CN" altLang="en-US" noProof="0"/>
               <a:t>单击此处编辑母版副标题样式</a:t>
             </a:r>
           </a:p>
@@ -2756,7 +2982,7 @@
           <a:p>
             <a:pPr lvl="0"/>
             <a:r>
-              <a:rPr lang="zh-CN" altLang="en-US" noProof="0" smtClean="0"/>
+              <a:rPr lang="zh-CN" altLang="en-US" noProof="0"/>
               <a:t>单击此处编辑母版标题样式</a:t>
             </a:r>
           </a:p>
@@ -2794,7 +3020,7 @@
               <a:pPr>
                 <a:defRPr/>
               </a:pPr>
-              <a:t>2019/11/8</a:t>
+              <a:t>2019/11/11</a:t>
             </a:fld>
             <a:endParaRPr lang="en-US" altLang="zh-CN"/>
           </a:p>
@@ -2879,10 +3105,9 @@
           <a:lstStyle/>
           <a:p>
             <a:r>
-              <a:rPr lang="zh-CN" altLang="en-US" smtClean="0"/>
+              <a:rPr lang="zh-CN" altLang="en-US"/>
               <a:t>单击此处编辑母版标题样式</a:t>
             </a:r>
-            <a:endParaRPr lang="zh-CN" altLang="en-US"/>
           </a:p>
         </p:txBody>
       </p:sp>
@@ -2903,38 +3128,37 @@
           <a:p>
             <a:pPr lvl="0"/>
             <a:r>
-              <a:rPr lang="zh-CN" altLang="en-US" smtClean="0"/>
+              <a:rPr lang="zh-CN" altLang="en-US"/>
               <a:t>单击此处编辑母版文本样式</a:t>
             </a:r>
           </a:p>
           <a:p>
             <a:pPr lvl="1"/>
             <a:r>
-              <a:rPr lang="zh-CN" altLang="en-US" smtClean="0"/>
+              <a:rPr lang="zh-CN" altLang="en-US"/>
               <a:t>第二级</a:t>
             </a:r>
           </a:p>
           <a:p>
             <a:pPr lvl="2"/>
             <a:r>
-              <a:rPr lang="zh-CN" altLang="en-US" smtClean="0"/>
+              <a:rPr lang="zh-CN" altLang="en-US"/>
               <a:t>第三级</a:t>
             </a:r>
           </a:p>
           <a:p>
             <a:pPr lvl="3"/>
             <a:r>
-              <a:rPr lang="zh-CN" altLang="en-US" smtClean="0"/>
+              <a:rPr lang="zh-CN" altLang="en-US"/>
               <a:t>第四级</a:t>
             </a:r>
           </a:p>
           <a:p>
             <a:pPr lvl="4"/>
             <a:r>
-              <a:rPr lang="zh-CN" altLang="en-US" smtClean="0"/>
+              <a:rPr lang="zh-CN" altLang="en-US"/>
               <a:t>第五级</a:t>
             </a:r>
-            <a:endParaRPr lang="zh-CN" altLang="en-US"/>
           </a:p>
         </p:txBody>
       </p:sp>
@@ -2967,7 +3191,7 @@
               <a:pPr>
                 <a:defRPr/>
               </a:pPr>
-              <a:t>2019/11/8</a:t>
+              <a:t>2019/11/11</a:t>
             </a:fld>
             <a:endParaRPr lang="en-US" altLang="zh-CN"/>
           </a:p>
@@ -3103,10 +3327,9 @@
           </a:lstStyle>
           <a:p>
             <a:r>
-              <a:rPr lang="zh-CN" altLang="en-US" smtClean="0"/>
+              <a:rPr lang="zh-CN" altLang="en-US"/>
               <a:t>单击此处编辑母版标题样式</a:t>
             </a:r>
-            <a:endParaRPr lang="zh-CN" altLang="en-US"/>
           </a:p>
         </p:txBody>
       </p:sp>
@@ -3169,7 +3392,7 @@
           <a:p>
             <a:pPr lvl="0"/>
             <a:r>
-              <a:rPr lang="zh-CN" altLang="en-US" smtClean="0"/>
+              <a:rPr lang="zh-CN" altLang="en-US"/>
               <a:t>单击此处编辑母版文本样式</a:t>
             </a:r>
           </a:p>
@@ -3204,7 +3427,7 @@
               <a:pPr>
                 <a:defRPr/>
               </a:pPr>
-              <a:t>2019/11/8</a:t>
+              <a:t>2019/11/11</a:t>
             </a:fld>
             <a:endParaRPr lang="en-US" altLang="zh-CN"/>
           </a:p>
@@ -3331,10 +3554,9 @@
           <a:lstStyle/>
           <a:p>
             <a:r>
-              <a:rPr lang="zh-CN" altLang="en-US" smtClean="0"/>
+              <a:rPr lang="zh-CN" altLang="en-US"/>
               <a:t>单击此处编辑母版标题样式</a:t>
             </a:r>
-            <a:endParaRPr lang="zh-CN" altLang="en-US"/>
           </a:p>
         </p:txBody>
       </p:sp>
@@ -3360,38 +3582,37 @@
           <a:p>
             <a:pPr lvl="0"/>
             <a:r>
-              <a:rPr lang="zh-CN" altLang="en-US" smtClean="0"/>
+              <a:rPr lang="zh-CN" altLang="en-US"/>
               <a:t>单击此处编辑母版文本样式</a:t>
             </a:r>
           </a:p>
           <a:p>
             <a:pPr lvl="1"/>
             <a:r>
-              <a:rPr lang="zh-CN" altLang="en-US" smtClean="0"/>
+              <a:rPr lang="zh-CN" altLang="en-US"/>
               <a:t>第二级</a:t>
             </a:r>
           </a:p>
           <a:p>
             <a:pPr lvl="2"/>
             <a:r>
-              <a:rPr lang="zh-CN" altLang="en-US" smtClean="0"/>
+              <a:rPr lang="zh-CN" altLang="en-US"/>
               <a:t>第三级</a:t>
             </a:r>
           </a:p>
           <a:p>
             <a:pPr lvl="3"/>
             <a:r>
-              <a:rPr lang="zh-CN" altLang="en-US" smtClean="0"/>
+              <a:rPr lang="zh-CN" altLang="en-US"/>
               <a:t>第四级</a:t>
             </a:r>
           </a:p>
           <a:p>
             <a:pPr lvl="4"/>
             <a:r>
-              <a:rPr lang="zh-CN" altLang="en-US" smtClean="0"/>
+              <a:rPr lang="zh-CN" altLang="en-US"/>
               <a:t>第五级</a:t>
             </a:r>
-            <a:endParaRPr lang="zh-CN" altLang="en-US"/>
           </a:p>
         </p:txBody>
       </p:sp>
@@ -3417,38 +3638,37 @@
           <a:p>
             <a:pPr lvl="0"/>
             <a:r>
-              <a:rPr lang="zh-CN" altLang="en-US" smtClean="0"/>
+              <a:rPr lang="zh-CN" altLang="en-US"/>
               <a:t>单击此处编辑母版文本样式</a:t>
             </a:r>
           </a:p>
           <a:p>
             <a:pPr lvl="1"/>
             <a:r>
-              <a:rPr lang="zh-CN" altLang="en-US" smtClean="0"/>
+              <a:rPr lang="zh-CN" altLang="en-US"/>
               <a:t>第二级</a:t>
             </a:r>
           </a:p>
           <a:p>
             <a:pPr lvl="2"/>
             <a:r>
-              <a:rPr lang="zh-CN" altLang="en-US" smtClean="0"/>
+              <a:rPr lang="zh-CN" altLang="en-US"/>
               <a:t>第三级</a:t>
             </a:r>
           </a:p>
           <a:p>
             <a:pPr lvl="3"/>
             <a:r>
-              <a:rPr lang="zh-CN" altLang="en-US" smtClean="0"/>
+              <a:rPr lang="zh-CN" altLang="en-US"/>
               <a:t>第四级</a:t>
             </a:r>
           </a:p>
           <a:p>
             <a:pPr lvl="4"/>
             <a:r>
-              <a:rPr lang="zh-CN" altLang="en-US" smtClean="0"/>
+              <a:rPr lang="zh-CN" altLang="en-US"/>
               <a:t>第五级</a:t>
             </a:r>
-            <a:endParaRPr lang="zh-CN" altLang="en-US"/>
           </a:p>
         </p:txBody>
       </p:sp>
@@ -3481,7 +3701,7 @@
               <a:pPr>
                 <a:defRPr/>
               </a:pPr>
-              <a:t>2019/11/8</a:t>
+              <a:t>2019/11/11</a:t>
             </a:fld>
             <a:endParaRPr lang="en-US" altLang="zh-CN"/>
           </a:p>
@@ -3613,10 +3833,9 @@
           <a:lstStyle/>
           <a:p>
             <a:r>
-              <a:rPr lang="zh-CN" altLang="en-US" smtClean="0"/>
+              <a:rPr lang="zh-CN" altLang="en-US"/>
               <a:t>单击此处编辑母版标题样式</a:t>
             </a:r>
-            <a:endParaRPr lang="zh-CN" altLang="en-US"/>
           </a:p>
         </p:txBody>
       </p:sp>
@@ -3679,7 +3898,7 @@
           <a:p>
             <a:pPr lvl="0"/>
             <a:r>
-              <a:rPr lang="zh-CN" altLang="en-US" smtClean="0"/>
+              <a:rPr lang="zh-CN" altLang="en-US"/>
               <a:t>单击此处编辑母版文本样式</a:t>
             </a:r>
           </a:p>
@@ -3707,38 +3926,37 @@
           <a:p>
             <a:pPr lvl="0"/>
             <a:r>
-              <a:rPr lang="zh-CN" altLang="en-US" smtClean="0"/>
+              <a:rPr lang="zh-CN" altLang="en-US"/>
               <a:t>单击此处编辑母版文本样式</a:t>
             </a:r>
           </a:p>
           <a:p>
             <a:pPr lvl="1"/>
             <a:r>
-              <a:rPr lang="zh-CN" altLang="en-US" smtClean="0"/>
+              <a:rPr lang="zh-CN" altLang="en-US"/>
               <a:t>第二级</a:t>
             </a:r>
           </a:p>
           <a:p>
             <a:pPr lvl="2"/>
             <a:r>
-              <a:rPr lang="zh-CN" altLang="en-US" smtClean="0"/>
+              <a:rPr lang="zh-CN" altLang="en-US"/>
               <a:t>第三级</a:t>
             </a:r>
           </a:p>
           <a:p>
             <a:pPr lvl="3"/>
             <a:r>
-              <a:rPr lang="zh-CN" altLang="en-US" smtClean="0"/>
+              <a:rPr lang="zh-CN" altLang="en-US"/>
               <a:t>第四级</a:t>
             </a:r>
           </a:p>
           <a:p>
             <a:pPr lvl="4"/>
             <a:r>
-              <a:rPr lang="zh-CN" altLang="en-US" smtClean="0"/>
+              <a:rPr lang="zh-CN" altLang="en-US"/>
               <a:t>第五级</a:t>
             </a:r>
-            <a:endParaRPr lang="zh-CN" altLang="en-US"/>
           </a:p>
         </p:txBody>
       </p:sp>
@@ -3801,7 +4019,7 @@
           <a:p>
             <a:pPr lvl="0"/>
             <a:r>
-              <a:rPr lang="zh-CN" altLang="en-US" smtClean="0"/>
+              <a:rPr lang="zh-CN" altLang="en-US"/>
               <a:t>单击此处编辑母版文本样式</a:t>
             </a:r>
           </a:p>
@@ -3829,38 +4047,37 @@
           <a:p>
             <a:pPr lvl="0"/>
             <a:r>
-              <a:rPr lang="zh-CN" altLang="en-US" smtClean="0"/>
+              <a:rPr lang="zh-CN" altLang="en-US"/>
               <a:t>单击此处编辑母版文本样式</a:t>
             </a:r>
           </a:p>
           <a:p>
             <a:pPr lvl="1"/>
             <a:r>
-              <a:rPr lang="zh-CN" altLang="en-US" smtClean="0"/>
+              <a:rPr lang="zh-CN" altLang="en-US"/>
               <a:t>第二级</a:t>
             </a:r>
           </a:p>
           <a:p>
             <a:pPr lvl="2"/>
             <a:r>
-              <a:rPr lang="zh-CN" altLang="en-US" smtClean="0"/>
+              <a:rPr lang="zh-CN" altLang="en-US"/>
               <a:t>第三级</a:t>
             </a:r>
           </a:p>
           <a:p>
             <a:pPr lvl="3"/>
             <a:r>
-              <a:rPr lang="zh-CN" altLang="en-US" smtClean="0"/>
+              <a:rPr lang="zh-CN" altLang="en-US"/>
               <a:t>第四级</a:t>
             </a:r>
           </a:p>
           <a:p>
             <a:pPr lvl="4"/>
             <a:r>
-              <a:rPr lang="zh-CN" altLang="en-US" smtClean="0"/>
+              <a:rPr lang="zh-CN" altLang="en-US"/>
               <a:t>第五级</a:t>
             </a:r>
-            <a:endParaRPr lang="zh-CN" altLang="en-US"/>
           </a:p>
         </p:txBody>
       </p:sp>
@@ -3893,7 +4110,7 @@
               <a:pPr>
                 <a:defRPr/>
               </a:pPr>
-              <a:t>2019/11/8</a:t>
+              <a:t>2019/11/11</a:t>
             </a:fld>
             <a:endParaRPr lang="en-US" altLang="zh-CN"/>
           </a:p>
@@ -4020,10 +4237,9 @@
           <a:lstStyle/>
           <a:p>
             <a:r>
-              <a:rPr lang="zh-CN" altLang="en-US" smtClean="0"/>
+              <a:rPr lang="zh-CN" altLang="en-US"/>
               <a:t>单击此处编辑母版标题样式</a:t>
             </a:r>
-            <a:endParaRPr lang="zh-CN" altLang="en-US"/>
           </a:p>
         </p:txBody>
       </p:sp>
@@ -4056,7 +4272,7 @@
               <a:pPr>
                 <a:defRPr/>
               </a:pPr>
-              <a:t>2019/11/8</a:t>
+              <a:t>2019/11/11</a:t>
             </a:fld>
             <a:endParaRPr lang="en-US" altLang="zh-CN"/>
           </a:p>
@@ -4196,7 +4412,7 @@
               <a:pPr>
                 <a:defRPr/>
               </a:pPr>
-              <a:t>2019/11/8</a:t>
+              <a:t>2019/11/11</a:t>
             </a:fld>
             <a:endParaRPr lang="en-US" altLang="zh-CN"/>
           </a:p>
@@ -4332,10 +4548,9 @@
           </a:lstStyle>
           <a:p>
             <a:r>
-              <a:rPr lang="zh-CN" altLang="en-US" smtClean="0"/>
+              <a:rPr lang="zh-CN" altLang="en-US"/>
               <a:t>单击此处编辑母版标题样式</a:t>
             </a:r>
-            <a:endParaRPr lang="zh-CN" altLang="en-US"/>
           </a:p>
         </p:txBody>
       </p:sp>
@@ -4389,38 +4604,37 @@
           <a:p>
             <a:pPr lvl="0"/>
             <a:r>
-              <a:rPr lang="zh-CN" altLang="en-US" smtClean="0"/>
+              <a:rPr lang="zh-CN" altLang="en-US"/>
               <a:t>单击此处编辑母版文本样式</a:t>
             </a:r>
           </a:p>
           <a:p>
             <a:pPr lvl="1"/>
             <a:r>
-              <a:rPr lang="zh-CN" altLang="en-US" smtClean="0"/>
+              <a:rPr lang="zh-CN" altLang="en-US"/>
               <a:t>第二级</a:t>
             </a:r>
           </a:p>
           <a:p>
             <a:pPr lvl="2"/>
             <a:r>
-              <a:rPr lang="zh-CN" altLang="en-US" smtClean="0"/>
+              <a:rPr lang="zh-CN" altLang="en-US"/>
               <a:t>第三级</a:t>
             </a:r>
           </a:p>
           <a:p>
             <a:pPr lvl="3"/>
             <a:r>
-              <a:rPr lang="zh-CN" altLang="en-US" smtClean="0"/>
+              <a:rPr lang="zh-CN" altLang="en-US"/>
               <a:t>第四级</a:t>
             </a:r>
           </a:p>
           <a:p>
             <a:pPr lvl="4"/>
             <a:r>
-              <a:rPr lang="zh-CN" altLang="en-US" smtClean="0"/>
+              <a:rPr lang="zh-CN" altLang="en-US"/>
               <a:t>第五级</a:t>
             </a:r>
-            <a:endParaRPr lang="zh-CN" altLang="en-US"/>
           </a:p>
         </p:txBody>
       </p:sp>
@@ -4483,7 +4697,7 @@
           <a:p>
             <a:pPr lvl="0"/>
             <a:r>
-              <a:rPr lang="zh-CN" altLang="en-US" smtClean="0"/>
+              <a:rPr lang="zh-CN" altLang="en-US"/>
               <a:t>单击此处编辑母版文本样式</a:t>
             </a:r>
           </a:p>
@@ -4518,7 +4732,7 @@
               <a:pPr>
                 <a:defRPr/>
               </a:pPr>
-              <a:t>2019/11/8</a:t>
+              <a:t>2019/11/11</a:t>
             </a:fld>
             <a:endParaRPr lang="en-US" altLang="zh-CN"/>
           </a:p>
@@ -4645,10 +4859,9 @@
           <a:lstStyle/>
           <a:p>
             <a:r>
-              <a:rPr lang="zh-CN" altLang="en-US" smtClean="0"/>
+              <a:rPr lang="zh-CN" altLang="en-US"/>
               <a:t>单击此处编辑母版标题样式</a:t>
             </a:r>
-            <a:endParaRPr lang="zh-CN" altLang="en-US"/>
           </a:p>
         </p:txBody>
       </p:sp>
@@ -4669,38 +4882,37 @@
           <a:p>
             <a:pPr lvl="0"/>
             <a:r>
-              <a:rPr lang="zh-CN" altLang="en-US" smtClean="0"/>
+              <a:rPr lang="zh-CN" altLang="en-US"/>
               <a:t>单击此处编辑母版文本样式</a:t>
             </a:r>
           </a:p>
           <a:p>
             <a:pPr lvl="1"/>
             <a:r>
-              <a:rPr lang="zh-CN" altLang="en-US" smtClean="0"/>
+              <a:rPr lang="zh-CN" altLang="en-US"/>
               <a:t>第二级</a:t>
             </a:r>
           </a:p>
           <a:p>
             <a:pPr lvl="2"/>
             <a:r>
-              <a:rPr lang="zh-CN" altLang="en-US" smtClean="0"/>
+              <a:rPr lang="zh-CN" altLang="en-US"/>
               <a:t>第三级</a:t>
             </a:r>
           </a:p>
           <a:p>
             <a:pPr lvl="3"/>
             <a:r>
-              <a:rPr lang="zh-CN" altLang="en-US" smtClean="0"/>
+              <a:rPr lang="zh-CN" altLang="en-US"/>
               <a:t>第四级</a:t>
             </a:r>
           </a:p>
           <a:p>
             <a:pPr lvl="4"/>
             <a:r>
-              <a:rPr lang="zh-CN" altLang="en-US" smtClean="0"/>
+              <a:rPr lang="zh-CN" altLang="en-US"/>
               <a:t>第五级</a:t>
             </a:r>
-            <a:endParaRPr lang="zh-CN" altLang="en-US"/>
           </a:p>
         </p:txBody>
       </p:sp>
@@ -4733,7 +4945,7 @@
               <a:pPr>
                 <a:defRPr/>
               </a:pPr>
-              <a:t>2019/11/8</a:t>
+              <a:t>2019/11/11</a:t>
             </a:fld>
             <a:endParaRPr lang="en-US" altLang="zh-CN"/>
           </a:p>
@@ -4857,10 +5069,9 @@
           </a:lstStyle>
           <a:p>
             <a:r>
-              <a:rPr lang="zh-CN" altLang="en-US" smtClean="0"/>
+              <a:rPr lang="zh-CN" altLang="en-US"/>
               <a:t>单击此处编辑母版标题样式</a:t>
             </a:r>
-            <a:endParaRPr lang="zh-CN" altLang="en-US"/>
           </a:p>
         </p:txBody>
       </p:sp>
@@ -4922,7 +5133,7 @@
           </a:lstStyle>
           <a:p>
             <a:pPr lvl="0"/>
-            <a:endParaRPr lang="zh-CN" altLang="en-US" noProof="0" smtClean="0"/>
+            <a:endParaRPr lang="zh-CN" altLang="en-US" noProof="0"/>
           </a:p>
         </p:txBody>
       </p:sp>
@@ -4985,7 +5196,7 @@
           <a:p>
             <a:pPr lvl="0"/>
             <a:r>
-              <a:rPr lang="zh-CN" altLang="en-US" smtClean="0"/>
+              <a:rPr lang="zh-CN" altLang="en-US"/>
               <a:t>单击此处编辑母版文本样式</a:t>
             </a:r>
           </a:p>
@@ -5020,7 +5231,7 @@
               <a:pPr>
                 <a:defRPr/>
               </a:pPr>
-              <a:t>2019/11/8</a:t>
+              <a:t>2019/11/11</a:t>
             </a:fld>
             <a:endParaRPr lang="en-US" altLang="zh-CN"/>
           </a:p>
@@ -5147,10 +5358,9 @@
           <a:lstStyle/>
           <a:p>
             <a:r>
-              <a:rPr lang="zh-CN" altLang="en-US" smtClean="0"/>
+              <a:rPr lang="zh-CN" altLang="en-US"/>
               <a:t>单击此处编辑母版标题样式</a:t>
             </a:r>
-            <a:endParaRPr lang="zh-CN" altLang="en-US"/>
           </a:p>
         </p:txBody>
       </p:sp>
@@ -5171,38 +5381,37 @@
           <a:p>
             <a:pPr lvl="0"/>
             <a:r>
-              <a:rPr lang="zh-CN" altLang="en-US" smtClean="0"/>
+              <a:rPr lang="zh-CN" altLang="en-US"/>
               <a:t>单击此处编辑母版文本样式</a:t>
             </a:r>
           </a:p>
           <a:p>
             <a:pPr lvl="1"/>
             <a:r>
-              <a:rPr lang="zh-CN" altLang="en-US" smtClean="0"/>
+              <a:rPr lang="zh-CN" altLang="en-US"/>
               <a:t>第二级</a:t>
             </a:r>
           </a:p>
           <a:p>
             <a:pPr lvl="2"/>
             <a:r>
-              <a:rPr lang="zh-CN" altLang="en-US" smtClean="0"/>
+              <a:rPr lang="zh-CN" altLang="en-US"/>
               <a:t>第三级</a:t>
             </a:r>
           </a:p>
           <a:p>
             <a:pPr lvl="3"/>
             <a:r>
-              <a:rPr lang="zh-CN" altLang="en-US" smtClean="0"/>
+              <a:rPr lang="zh-CN" altLang="en-US"/>
               <a:t>第四级</a:t>
             </a:r>
           </a:p>
           <a:p>
             <a:pPr lvl="4"/>
             <a:r>
-              <a:rPr lang="zh-CN" altLang="en-US" smtClean="0"/>
+              <a:rPr lang="zh-CN" altLang="en-US"/>
               <a:t>第五级</a:t>
             </a:r>
-            <a:endParaRPr lang="zh-CN" altLang="en-US"/>
           </a:p>
         </p:txBody>
       </p:sp>
@@ -5235,7 +5444,7 @@
               <a:pPr>
                 <a:defRPr/>
               </a:pPr>
-              <a:t>2019/11/8</a:t>
+              <a:t>2019/11/11</a:t>
             </a:fld>
             <a:endParaRPr lang="en-US" altLang="zh-CN"/>
           </a:p>
@@ -5367,10 +5576,9 @@
           <a:lstStyle/>
           <a:p>
             <a:r>
-              <a:rPr lang="zh-CN" altLang="en-US" smtClean="0"/>
+              <a:rPr lang="zh-CN" altLang="en-US"/>
               <a:t>单击此处编辑母版标题样式</a:t>
             </a:r>
-            <a:endParaRPr lang="zh-CN" altLang="en-US"/>
           </a:p>
         </p:txBody>
       </p:sp>
@@ -5396,38 +5604,37 @@
           <a:p>
             <a:pPr lvl="0"/>
             <a:r>
-              <a:rPr lang="zh-CN" altLang="en-US" smtClean="0"/>
+              <a:rPr lang="zh-CN" altLang="en-US"/>
               <a:t>单击此处编辑母版文本样式</a:t>
             </a:r>
           </a:p>
           <a:p>
             <a:pPr lvl="1"/>
             <a:r>
-              <a:rPr lang="zh-CN" altLang="en-US" smtClean="0"/>
+              <a:rPr lang="zh-CN" altLang="en-US"/>
               <a:t>第二级</a:t>
             </a:r>
           </a:p>
           <a:p>
             <a:pPr lvl="2"/>
             <a:r>
-              <a:rPr lang="zh-CN" altLang="en-US" smtClean="0"/>
+              <a:rPr lang="zh-CN" altLang="en-US"/>
               <a:t>第三级</a:t>
             </a:r>
           </a:p>
           <a:p>
             <a:pPr lvl="3"/>
             <a:r>
-              <a:rPr lang="zh-CN" altLang="en-US" smtClean="0"/>
+              <a:rPr lang="zh-CN" altLang="en-US"/>
               <a:t>第四级</a:t>
             </a:r>
           </a:p>
           <a:p>
             <a:pPr lvl="4"/>
             <a:r>
-              <a:rPr lang="zh-CN" altLang="en-US" smtClean="0"/>
+              <a:rPr lang="zh-CN" altLang="en-US"/>
               <a:t>第五级</a:t>
             </a:r>
-            <a:endParaRPr lang="zh-CN" altLang="en-US"/>
           </a:p>
         </p:txBody>
       </p:sp>
@@ -5460,7 +5667,7 @@
               <a:pPr>
                 <a:defRPr/>
               </a:pPr>
-              <a:t>2019/11/8</a:t>
+              <a:t>2019/11/11</a:t>
             </a:fld>
             <a:endParaRPr lang="en-US" altLang="zh-CN"/>
           </a:p>
@@ -5596,10 +5803,9 @@
           </a:lstStyle>
           <a:p>
             <a:r>
-              <a:rPr lang="zh-CN" altLang="en-US" smtClean="0"/>
+              <a:rPr lang="zh-CN" altLang="en-US"/>
               <a:t>单击此处编辑母版标题样式</a:t>
             </a:r>
-            <a:endParaRPr lang="zh-CN" altLang="en-US"/>
           </a:p>
         </p:txBody>
       </p:sp>
@@ -5662,7 +5868,7 @@
           <a:p>
             <a:pPr lvl="0"/>
             <a:r>
-              <a:rPr lang="zh-CN" altLang="en-US" smtClean="0"/>
+              <a:rPr lang="zh-CN" altLang="en-US"/>
               <a:t>单击此处编辑母版文本样式</a:t>
             </a:r>
           </a:p>
@@ -5697,7 +5903,7 @@
               <a:pPr>
                 <a:defRPr/>
               </a:pPr>
-              <a:t>2019/11/8</a:t>
+              <a:t>2019/11/11</a:t>
             </a:fld>
             <a:endParaRPr lang="en-US" altLang="zh-CN"/>
           </a:p>
@@ -5812,10 +6018,9 @@
           <a:lstStyle/>
           <a:p>
             <a:r>
-              <a:rPr lang="zh-CN" altLang="en-US" smtClean="0"/>
+              <a:rPr lang="zh-CN" altLang="en-US"/>
               <a:t>单击此处编辑母版标题样式</a:t>
             </a:r>
-            <a:endParaRPr lang="zh-CN" altLang="en-US"/>
           </a:p>
         </p:txBody>
       </p:sp>
@@ -5841,38 +6046,37 @@
           <a:p>
             <a:pPr lvl="0"/>
             <a:r>
-              <a:rPr lang="zh-CN" altLang="en-US" smtClean="0"/>
+              <a:rPr lang="zh-CN" altLang="en-US"/>
               <a:t>单击此处编辑母版文本样式</a:t>
             </a:r>
           </a:p>
           <a:p>
             <a:pPr lvl="1"/>
             <a:r>
-              <a:rPr lang="zh-CN" altLang="en-US" smtClean="0"/>
+              <a:rPr lang="zh-CN" altLang="en-US"/>
               <a:t>第二级</a:t>
             </a:r>
           </a:p>
           <a:p>
             <a:pPr lvl="2"/>
             <a:r>
-              <a:rPr lang="zh-CN" altLang="en-US" smtClean="0"/>
+              <a:rPr lang="zh-CN" altLang="en-US"/>
               <a:t>第三级</a:t>
             </a:r>
           </a:p>
           <a:p>
             <a:pPr lvl="3"/>
             <a:r>
-              <a:rPr lang="zh-CN" altLang="en-US" smtClean="0"/>
+              <a:rPr lang="zh-CN" altLang="en-US"/>
               <a:t>第四级</a:t>
             </a:r>
           </a:p>
           <a:p>
             <a:pPr lvl="4"/>
             <a:r>
-              <a:rPr lang="zh-CN" altLang="en-US" smtClean="0"/>
+              <a:rPr lang="zh-CN" altLang="en-US"/>
               <a:t>第五级</a:t>
             </a:r>
-            <a:endParaRPr lang="zh-CN" altLang="en-US"/>
           </a:p>
         </p:txBody>
       </p:sp>
@@ -5898,38 +6102,37 @@
           <a:p>
             <a:pPr lvl="0"/>
             <a:r>
-              <a:rPr lang="zh-CN" altLang="en-US" smtClean="0"/>
+              <a:rPr lang="zh-CN" altLang="en-US"/>
               <a:t>单击此处编辑母版文本样式</a:t>
             </a:r>
           </a:p>
           <a:p>
             <a:pPr lvl="1"/>
             <a:r>
-              <a:rPr lang="zh-CN" altLang="en-US" smtClean="0"/>
+              <a:rPr lang="zh-CN" altLang="en-US"/>
               <a:t>第二级</a:t>
             </a:r>
           </a:p>
           <a:p>
             <a:pPr lvl="2"/>
             <a:r>
-              <a:rPr lang="zh-CN" altLang="en-US" smtClean="0"/>
+              <a:rPr lang="zh-CN" altLang="en-US"/>
               <a:t>第三级</a:t>
             </a:r>
           </a:p>
           <a:p>
             <a:pPr lvl="3"/>
             <a:r>
-              <a:rPr lang="zh-CN" altLang="en-US" smtClean="0"/>
+              <a:rPr lang="zh-CN" altLang="en-US"/>
               <a:t>第四级</a:t>
             </a:r>
           </a:p>
           <a:p>
             <a:pPr lvl="4"/>
             <a:r>
-              <a:rPr lang="zh-CN" altLang="en-US" smtClean="0"/>
+              <a:rPr lang="zh-CN" altLang="en-US"/>
               <a:t>第五级</a:t>
             </a:r>
-            <a:endParaRPr lang="zh-CN" altLang="en-US"/>
           </a:p>
         </p:txBody>
       </p:sp>
@@ -5962,7 +6165,7 @@
               <a:pPr>
                 <a:defRPr/>
               </a:pPr>
-              <a:t>2019/11/8</a:t>
+              <a:t>2019/11/11</a:t>
             </a:fld>
             <a:endParaRPr lang="en-US" altLang="zh-CN"/>
           </a:p>
@@ -6082,10 +6285,9 @@
           <a:lstStyle/>
           <a:p>
             <a:r>
-              <a:rPr lang="zh-CN" altLang="en-US" smtClean="0"/>
+              <a:rPr lang="zh-CN" altLang="en-US"/>
               <a:t>单击此处编辑母版标题样式</a:t>
             </a:r>
-            <a:endParaRPr lang="zh-CN" altLang="en-US"/>
           </a:p>
         </p:txBody>
       </p:sp>
@@ -6148,7 +6350,7 @@
           <a:p>
             <a:pPr lvl="0"/>
             <a:r>
-              <a:rPr lang="zh-CN" altLang="en-US" smtClean="0"/>
+              <a:rPr lang="zh-CN" altLang="en-US"/>
               <a:t>单击此处编辑母版文本样式</a:t>
             </a:r>
           </a:p>
@@ -6176,38 +6378,37 @@
           <a:p>
             <a:pPr lvl="0"/>
             <a:r>
-              <a:rPr lang="zh-CN" altLang="en-US" smtClean="0"/>
+              <a:rPr lang="zh-CN" altLang="en-US"/>
               <a:t>单击此处编辑母版文本样式</a:t>
             </a:r>
           </a:p>
           <a:p>
             <a:pPr lvl="1"/>
             <a:r>
-              <a:rPr lang="zh-CN" altLang="en-US" smtClean="0"/>
+              <a:rPr lang="zh-CN" altLang="en-US"/>
               <a:t>第二级</a:t>
             </a:r>
           </a:p>
           <a:p>
             <a:pPr lvl="2"/>
             <a:r>
-              <a:rPr lang="zh-CN" altLang="en-US" smtClean="0"/>
+              <a:rPr lang="zh-CN" altLang="en-US"/>
               <a:t>第三级</a:t>
             </a:r>
           </a:p>
           <a:p>
             <a:pPr lvl="3"/>
             <a:r>
-              <a:rPr lang="zh-CN" altLang="en-US" smtClean="0"/>
+              <a:rPr lang="zh-CN" altLang="en-US"/>
               <a:t>第四级</a:t>
             </a:r>
           </a:p>
           <a:p>
             <a:pPr lvl="4"/>
             <a:r>
-              <a:rPr lang="zh-CN" altLang="en-US" smtClean="0"/>
+              <a:rPr lang="zh-CN" altLang="en-US"/>
               <a:t>第五级</a:t>
             </a:r>
-            <a:endParaRPr lang="zh-CN" altLang="en-US"/>
           </a:p>
         </p:txBody>
       </p:sp>
@@ -6270,7 +6471,7 @@
           <a:p>
             <a:pPr lvl="0"/>
             <a:r>
-              <a:rPr lang="zh-CN" altLang="en-US" smtClean="0"/>
+              <a:rPr lang="zh-CN" altLang="en-US"/>
               <a:t>单击此处编辑母版文本样式</a:t>
             </a:r>
           </a:p>
@@ -6298,38 +6499,37 @@
           <a:p>
             <a:pPr lvl="0"/>
             <a:r>
-              <a:rPr lang="zh-CN" altLang="en-US" smtClean="0"/>
+              <a:rPr lang="zh-CN" altLang="en-US"/>
               <a:t>单击此处编辑母版文本样式</a:t>
             </a:r>
           </a:p>
           <a:p>
             <a:pPr lvl="1"/>
             <a:r>
-              <a:rPr lang="zh-CN" altLang="en-US" smtClean="0"/>
+              <a:rPr lang="zh-CN" altLang="en-US"/>
               <a:t>第二级</a:t>
             </a:r>
           </a:p>
           <a:p>
             <a:pPr lvl="2"/>
             <a:r>
-              <a:rPr lang="zh-CN" altLang="en-US" smtClean="0"/>
+              <a:rPr lang="zh-CN" altLang="en-US"/>
               <a:t>第三级</a:t>
             </a:r>
           </a:p>
           <a:p>
             <a:pPr lvl="3"/>
             <a:r>
-              <a:rPr lang="zh-CN" altLang="en-US" smtClean="0"/>
+              <a:rPr lang="zh-CN" altLang="en-US"/>
               <a:t>第四级</a:t>
             </a:r>
           </a:p>
           <a:p>
             <a:pPr lvl="4"/>
             <a:r>
-              <a:rPr lang="zh-CN" altLang="en-US" smtClean="0"/>
+              <a:rPr lang="zh-CN" altLang="en-US"/>
               <a:t>第五级</a:t>
             </a:r>
-            <a:endParaRPr lang="zh-CN" altLang="en-US"/>
           </a:p>
         </p:txBody>
       </p:sp>
@@ -6362,7 +6562,7 @@
               <a:pPr>
                 <a:defRPr/>
               </a:pPr>
-              <a:t>2019/11/8</a:t>
+              <a:t>2019/11/11</a:t>
             </a:fld>
             <a:endParaRPr lang="en-US" altLang="zh-CN"/>
           </a:p>
@@ -6477,10 +6677,9 @@
           <a:lstStyle/>
           <a:p>
             <a:r>
-              <a:rPr lang="zh-CN" altLang="en-US" smtClean="0"/>
+              <a:rPr lang="zh-CN" altLang="en-US"/>
               <a:t>单击此处编辑母版标题样式</a:t>
             </a:r>
-            <a:endParaRPr lang="zh-CN" altLang="en-US"/>
           </a:p>
         </p:txBody>
       </p:sp>
@@ -6513,7 +6712,7 @@
               <a:pPr>
                 <a:defRPr/>
               </a:pPr>
-              <a:t>2019/11/8</a:t>
+              <a:t>2019/11/11</a:t>
             </a:fld>
             <a:endParaRPr lang="en-US" altLang="zh-CN"/>
           </a:p>
@@ -6641,7 +6840,7 @@
               <a:pPr>
                 <a:defRPr/>
               </a:pPr>
-              <a:t>2019/11/8</a:t>
+              <a:t>2019/11/11</a:t>
             </a:fld>
             <a:endParaRPr lang="en-US" altLang="zh-CN"/>
           </a:p>
@@ -6765,10 +6964,9 @@
           </a:lstStyle>
           <a:p>
             <a:r>
-              <a:rPr lang="zh-CN" altLang="en-US" smtClean="0"/>
+              <a:rPr lang="zh-CN" altLang="en-US"/>
               <a:t>单击此处编辑母版标题样式</a:t>
             </a:r>
-            <a:endParaRPr lang="zh-CN" altLang="en-US"/>
           </a:p>
         </p:txBody>
       </p:sp>
@@ -6822,38 +7020,37 @@
           <a:p>
             <a:pPr lvl="0"/>
             <a:r>
-              <a:rPr lang="zh-CN" altLang="en-US" smtClean="0"/>
+              <a:rPr lang="zh-CN" altLang="en-US"/>
               <a:t>单击此处编辑母版文本样式</a:t>
             </a:r>
           </a:p>
           <a:p>
             <a:pPr lvl="1"/>
             <a:r>
-              <a:rPr lang="zh-CN" altLang="en-US" smtClean="0"/>
+              <a:rPr lang="zh-CN" altLang="en-US"/>
               <a:t>第二级</a:t>
             </a:r>
           </a:p>
           <a:p>
             <a:pPr lvl="2"/>
             <a:r>
-              <a:rPr lang="zh-CN" altLang="en-US" smtClean="0"/>
+              <a:rPr lang="zh-CN" altLang="en-US"/>
               <a:t>第三级</a:t>
             </a:r>
           </a:p>
           <a:p>
             <a:pPr lvl="3"/>
             <a:r>
-              <a:rPr lang="zh-CN" altLang="en-US" smtClean="0"/>
+              <a:rPr lang="zh-CN" altLang="en-US"/>
               <a:t>第四级</a:t>
             </a:r>
           </a:p>
           <a:p>
             <a:pPr lvl="4"/>
             <a:r>
-              <a:rPr lang="zh-CN" altLang="en-US" smtClean="0"/>
+              <a:rPr lang="zh-CN" altLang="en-US"/>
               <a:t>第五级</a:t>
             </a:r>
-            <a:endParaRPr lang="zh-CN" altLang="en-US"/>
           </a:p>
         </p:txBody>
       </p:sp>
@@ -6916,7 +7113,7 @@
           <a:p>
             <a:pPr lvl="0"/>
             <a:r>
-              <a:rPr lang="zh-CN" altLang="en-US" smtClean="0"/>
+              <a:rPr lang="zh-CN" altLang="en-US"/>
               <a:t>单击此处编辑母版文本样式</a:t>
             </a:r>
           </a:p>
@@ -6951,7 +7148,7 @@
               <a:pPr>
                 <a:defRPr/>
               </a:pPr>
-              <a:t>2019/11/8</a:t>
+              <a:t>2019/11/11</a:t>
             </a:fld>
             <a:endParaRPr lang="en-US" altLang="zh-CN"/>
           </a:p>
@@ -7075,10 +7272,9 @@
           </a:lstStyle>
           <a:p>
             <a:r>
-              <a:rPr lang="zh-CN" altLang="en-US" smtClean="0"/>
+              <a:rPr lang="zh-CN" altLang="en-US"/>
               <a:t>单击此处编辑母版标题样式</a:t>
             </a:r>
-            <a:endParaRPr lang="zh-CN" altLang="en-US"/>
           </a:p>
         </p:txBody>
       </p:sp>
@@ -7140,7 +7336,7 @@
           </a:lstStyle>
           <a:p>
             <a:pPr lvl="0"/>
-            <a:endParaRPr lang="zh-CN" altLang="en-US" noProof="0" smtClean="0"/>
+            <a:endParaRPr lang="zh-CN" altLang="en-US" noProof="0"/>
           </a:p>
         </p:txBody>
       </p:sp>
@@ -7203,7 +7399,7 @@
           <a:p>
             <a:pPr lvl="0"/>
             <a:r>
-              <a:rPr lang="zh-CN" altLang="en-US" smtClean="0"/>
+              <a:rPr lang="zh-CN" altLang="en-US"/>
               <a:t>单击此处编辑母版文本样式</a:t>
             </a:r>
           </a:p>
@@ -7238,7 +7434,7 @@
               <a:pPr>
                 <a:defRPr/>
               </a:pPr>
-              <a:t>2019/11/8</a:t>
+              <a:t>2019/11/11</a:t>
             </a:fld>
             <a:endParaRPr lang="en-US" altLang="zh-CN"/>
           </a:p>
@@ -7407,7 +7603,7 @@
           <a:p>
             <a:pPr lvl="0"/>
             <a:r>
-              <a:rPr lang="zh-CN" altLang="en-US" smtClean="0"/>
+              <a:rPr lang="zh-CN" altLang="en-US"/>
               <a:t>单击此处编辑母版标题样式</a:t>
             </a:r>
           </a:p>
@@ -7475,35 +7671,35 @@
           <a:p>
             <a:pPr lvl="0"/>
             <a:r>
-              <a:rPr lang="zh-CN" altLang="en-US" smtClean="0"/>
+              <a:rPr lang="zh-CN" altLang="en-US"/>
               <a:t>单击此处编辑母版文本样式</a:t>
             </a:r>
           </a:p>
           <a:p>
             <a:pPr lvl="1"/>
             <a:r>
-              <a:rPr lang="zh-CN" altLang="en-US" smtClean="0"/>
+              <a:rPr lang="zh-CN" altLang="en-US"/>
               <a:t>第二级</a:t>
             </a:r>
           </a:p>
           <a:p>
             <a:pPr lvl="2"/>
             <a:r>
-              <a:rPr lang="zh-CN" altLang="en-US" smtClean="0"/>
+              <a:rPr lang="zh-CN" altLang="en-US"/>
               <a:t>第三级</a:t>
             </a:r>
           </a:p>
           <a:p>
             <a:pPr lvl="3"/>
             <a:r>
-              <a:rPr lang="zh-CN" altLang="en-US" smtClean="0"/>
+              <a:rPr lang="zh-CN" altLang="en-US"/>
               <a:t>第四级</a:t>
             </a:r>
           </a:p>
           <a:p>
             <a:pPr lvl="4"/>
             <a:r>
-              <a:rPr lang="zh-CN" altLang="en-US" smtClean="0"/>
+              <a:rPr lang="zh-CN" altLang="en-US"/>
               <a:t>第五级</a:t>
             </a:r>
           </a:p>
@@ -7583,7 +7779,7 @@
               <a:pPr>
                 <a:defRPr/>
               </a:pPr>
-              <a:t>2019/11/8</a:t>
+              <a:t>2019/11/11</a:t>
             </a:fld>
             <a:endParaRPr lang="en-US" altLang="zh-CN"/>
           </a:p>
@@ -8571,7 +8767,7 @@
           <a:p>
             <a:pPr lvl="0"/>
             <a:r>
-              <a:rPr lang="zh-CN" altLang="en-US" smtClean="0"/>
+              <a:rPr lang="zh-CN" altLang="en-US"/>
               <a:t>单击此处编辑母版标题样式</a:t>
             </a:r>
           </a:p>
@@ -8639,35 +8835,35 @@
           <a:p>
             <a:pPr lvl="0"/>
             <a:r>
-              <a:rPr lang="zh-CN" altLang="en-US" smtClean="0"/>
+              <a:rPr lang="zh-CN" altLang="en-US"/>
               <a:t>单击此处编辑母版文本样式</a:t>
             </a:r>
           </a:p>
           <a:p>
             <a:pPr lvl="1"/>
             <a:r>
-              <a:rPr lang="zh-CN" altLang="en-US" smtClean="0"/>
+              <a:rPr lang="zh-CN" altLang="en-US"/>
               <a:t>第二级</a:t>
             </a:r>
           </a:p>
           <a:p>
             <a:pPr lvl="2"/>
             <a:r>
-              <a:rPr lang="zh-CN" altLang="en-US" smtClean="0"/>
+              <a:rPr lang="zh-CN" altLang="en-US"/>
               <a:t>第三级</a:t>
             </a:r>
           </a:p>
           <a:p>
             <a:pPr lvl="3"/>
             <a:r>
-              <a:rPr lang="zh-CN" altLang="en-US" smtClean="0"/>
+              <a:rPr lang="zh-CN" altLang="en-US"/>
               <a:t>第四级</a:t>
             </a:r>
           </a:p>
           <a:p>
             <a:pPr lvl="4"/>
             <a:r>
-              <a:rPr lang="zh-CN" altLang="en-US" smtClean="0"/>
+              <a:rPr lang="zh-CN" altLang="en-US"/>
               <a:t>第五级</a:t>
             </a:r>
           </a:p>
@@ -8801,7 +8997,7 @@
               <a:pPr>
                 <a:defRPr/>
               </a:pPr>
-              <a:t>2019/11/8</a:t>
+              <a:t>2019/11/11</a:t>
             </a:fld>
             <a:endParaRPr lang="en-US" altLang="zh-CN"/>
           </a:p>
@@ -9559,7 +9755,7 @@
               <a:pPr>
                 <a:defRPr/>
               </a:pPr>
-              <a:t>2019/11/8</a:t>
+              <a:t>2019/11/11</a:t>
             </a:fld>
             <a:endParaRPr lang="en-US" altLang="zh-CN"/>
           </a:p>
@@ -9615,10 +9811,9 @@
           <a:lstStyle/>
           <a:p>
             <a:r>
-              <a:rPr lang="zh-CN" altLang="en-US" sz="3400" b="1" dirty="0" smtClean="0"/>
+              <a:rPr lang="zh-CN" altLang="en-US" sz="3400" b="1" dirty="0"/>
               <a:t>实验任务</a:t>
             </a:r>
-            <a:endParaRPr lang="zh-CN" altLang="en-US" sz="3400" b="1" dirty="0"/>
           </a:p>
         </p:txBody>
       </p:sp>
@@ -9654,13 +9849,6 @@
       <p:transition spd="slow" advTm="4112"/>
     </mc:Fallback>
   </mc:AlternateContent>
-  <p:timing>
-    <p:tnLst>
-      <p:par>
-        <p:cTn id="1" dur="indefinite" restart="never" nodeType="tmRoot"/>
-      </p:par>
-    </p:tnLst>
-  </p:timing>
 </p:sld>
 </file>
 
@@ -9697,14 +9885,9 @@
           <a:lstStyle/>
           <a:p>
             <a:r>
-              <a:rPr lang="zh-CN" altLang="en-US" dirty="0" smtClean="0"/>
-              <a:t>示例</a:t>
-            </a:r>
-            <a:r>
-              <a:rPr lang="zh-CN" altLang="en-US" dirty="0" smtClean="0"/>
-              <a:t>代码</a:t>
-            </a:r>
-            <a:endParaRPr lang="zh-CN" altLang="en-US" dirty="0"/>
+              <a:rPr lang="zh-CN" altLang="en-US" dirty="0"/>
+              <a:t>示例代码</a:t>
+            </a:r>
           </a:p>
         </p:txBody>
       </p:sp>
@@ -9729,11 +9912,11 @@
           <a:lstStyle/>
           <a:p>
             <a:r>
-              <a:rPr lang="zh-CN" altLang="en-US" dirty="0" smtClean="0"/>
+              <a:rPr lang="zh-CN" altLang="en-US" dirty="0"/>
               <a:t>一个类代表一个</a:t>
             </a:r>
             <a:r>
-              <a:rPr lang="en-US" altLang="zh-CN" dirty="0" smtClean="0"/>
+              <a:rPr lang="en-US" altLang="zh-CN" dirty="0"/>
               <a:t>API</a:t>
             </a:r>
           </a:p>
@@ -9741,15 +9924,7 @@
             <a:pPr lvl="1"/>
             <a:r>
               <a:rPr lang="zh-CN" altLang="en-US" dirty="0"/>
-              <a:t>类</a:t>
-            </a:r>
-            <a:r>
-              <a:rPr lang="zh-CN" altLang="en-US" dirty="0" smtClean="0"/>
-              <a:t>名 类</a:t>
-            </a:r>
-            <a:r>
-              <a:rPr lang="zh-CN" altLang="en-US" dirty="0"/>
-              <a:t>名</a:t>
+              <a:t>类名 类名</a:t>
             </a:r>
             <a:r>
               <a:rPr lang="en-US" altLang="zh-CN" dirty="0"/>
@@ -9765,52 +9940,48 @@
             </a:r>
             <a:r>
               <a:rPr lang="zh-CN" altLang="en-US" dirty="0"/>
-              <a:t>形参</a:t>
-            </a:r>
-            <a:r>
-              <a:rPr lang="zh-CN" altLang="en-US" dirty="0" smtClean="0"/>
-              <a:t>类型</a:t>
-            </a:r>
-            <a:r>
-              <a:rPr lang="en-US" altLang="zh-CN" dirty="0" smtClean="0"/>
+              <a:t>形参类型</a:t>
+            </a:r>
+            <a:r>
+              <a:rPr lang="en-US" altLang="zh-CN" dirty="0"/>
               <a:t>)*</a:t>
             </a:r>
           </a:p>
           <a:p>
             <a:pPr lvl="2"/>
             <a:r>
-              <a:rPr lang="zh-CN" altLang="en-US" dirty="0" smtClean="0"/>
+              <a:rPr lang="zh-CN" altLang="en-US" dirty="0"/>
               <a:t> </a:t>
             </a:r>
             <a:r>
-              <a:rPr lang="en-US" altLang="zh-CN" dirty="0" err="1" smtClean="0"/>
+              <a:rPr lang="en-US" altLang="zh-CN" dirty="0" err="1"/>
               <a:t>String_lastIndexOf_int_int</a:t>
             </a:r>
-            <a:endParaRPr lang="en-US" altLang="zh-CN" dirty="0" smtClean="0"/>
+            <a:endParaRPr lang="en-US" altLang="zh-CN" dirty="0"/>
           </a:p>
           <a:p>
             <a:pPr lvl="1"/>
             <a:r>
-              <a:rPr lang="zh-CN" altLang="en-US" dirty="0" smtClean="0"/>
+              <a:rPr lang="zh-CN" altLang="en-US" dirty="0"/>
               <a:t>方法名  </a:t>
             </a:r>
             <a:r>
-              <a:rPr lang="en-US" altLang="zh-CN" dirty="0" smtClean="0"/>
+              <a:rPr lang="en-US" altLang="zh-CN" dirty="0"/>
               <a:t>API</a:t>
             </a:r>
             <a:r>
-              <a:rPr lang="zh-CN" altLang="en-US" dirty="0" smtClean="0"/>
+              <a:rPr lang="zh-CN" altLang="en-US" dirty="0"/>
               <a:t>的方法名</a:t>
             </a:r>
             <a:r>
-              <a:rPr lang="en-US" altLang="zh-CN" dirty="0" smtClean="0"/>
+              <a:rPr lang="en-US" altLang="zh-CN" dirty="0"/>
               <a:t>+</a:t>
             </a:r>
             <a:r>
-              <a:rPr lang="zh-CN" altLang="en-US" dirty="0" smtClean="0"/>
+              <a:rPr lang="zh-CN" altLang="en-US" dirty="0"/>
               <a:t>序号</a:t>
             </a:r>
-            <a:endParaRPr lang="en-US" altLang="zh-CN" dirty="0" smtClean="0"/>
+            <a:endParaRPr lang="en-US" altLang="zh-CN" dirty="0"/>
           </a:p>
           <a:p>
             <a:pPr lvl="2"/>
@@ -9822,7 +9993,6 @@
               <a:rPr lang="en-US" altLang="zh-CN" dirty="0"/>
               <a:t>lastIndexOf0()</a:t>
             </a:r>
-            <a:endParaRPr lang="en-US" altLang="zh-CN" dirty="0" smtClean="0"/>
           </a:p>
         </p:txBody>
       </p:sp>
@@ -9849,7 +10019,7 @@
               <a:pPr>
                 <a:defRPr/>
               </a:pPr>
-              <a:t>2019/11/8</a:t>
+              <a:t>2019/11/11</a:t>
             </a:fld>
             <a:endParaRPr lang="en-US" altLang="zh-CN"/>
           </a:p>
@@ -9933,7 +10103,7 @@
           <a:p>
             <a:pPr algn="ctr" eaLnBrk="1" hangingPunct="1"/>
             <a:r>
-              <a:rPr lang="en-US" altLang="zh-CN" sz="2800" dirty="0" err="1" smtClean="0">
+              <a:rPr lang="en-US" altLang="zh-CN" sz="2800" dirty="0" err="1">
                 <a:latin typeface="+mn-lt"/>
               </a:rPr>
               <a:t>java.lang.String</a:t>
@@ -9945,13 +10115,13 @@
               <a:t> </a:t>
             </a:r>
             <a:r>
-              <a:rPr lang="en-US" altLang="zh-CN" sz="2800" dirty="0" err="1" smtClean="0">
+              <a:rPr lang="en-US" altLang="zh-CN" sz="2800" dirty="0" err="1">
                 <a:latin typeface="+mn-lt"/>
               </a:rPr>
               <a:t>int</a:t>
             </a:r>
             <a:r>
-              <a:rPr lang="en-US" altLang="zh-CN" sz="2800" dirty="0" smtClean="0">
+              <a:rPr lang="en-US" altLang="zh-CN" sz="2800" dirty="0">
                 <a:latin typeface="+mn-lt"/>
               </a:rPr>
               <a:t> </a:t>
@@ -9993,13 +10163,13 @@
               <a:t>, </a:t>
             </a:r>
             <a:r>
-              <a:rPr lang="en-US" altLang="zh-CN" sz="2800" dirty="0" err="1" smtClean="0">
+              <a:rPr lang="en-US" altLang="zh-CN" sz="2800" dirty="0" err="1">
                 <a:latin typeface="+mn-lt"/>
               </a:rPr>
               <a:t>int</a:t>
             </a:r>
             <a:r>
-              <a:rPr lang="en-US" altLang="zh-CN" sz="2800" dirty="0" smtClean="0">
+              <a:rPr lang="en-US" altLang="zh-CN" sz="2800" dirty="0">
                 <a:latin typeface="+mn-lt"/>
               </a:rPr>
               <a:t> </a:t>
@@ -10016,7 +10186,7 @@
               </a:rPr>
               <a:t>)</a:t>
             </a:r>
-            <a:endParaRPr kumimoji="0" lang="zh-CN" altLang="en-US" sz="2800" b="0" u="none" strike="noStrike" cap="none" normalizeH="0" baseline="0" dirty="0" smtClean="0">
+            <a:endParaRPr kumimoji="0" lang="zh-CN" altLang="en-US" sz="2800" b="0" u="none" strike="noStrike" cap="none" normalizeH="0" baseline="0" dirty="0">
               <a:ln>
                 <a:noFill/>
               </a:ln>
@@ -10097,11 +10267,11 @@
           <a:lstStyle/>
           <a:p>
             <a:r>
-              <a:rPr lang="zh-CN" altLang="en-US" dirty="0" smtClean="0"/>
+              <a:rPr lang="zh-CN" altLang="en-US" dirty="0"/>
               <a:t>一个类代表多个</a:t>
             </a:r>
             <a:r>
-              <a:rPr lang="en-US" altLang="zh-CN" dirty="0" smtClean="0"/>
+              <a:rPr lang="en-US" altLang="zh-CN" dirty="0"/>
               <a:t>API</a:t>
             </a:r>
           </a:p>
@@ -10128,11 +10298,11 @@
               <a:t>形参类型</a:t>
             </a:r>
             <a:r>
-              <a:rPr lang="en-US" altLang="zh-CN" dirty="0" smtClean="0"/>
+              <a:rPr lang="en-US" altLang="zh-CN" dirty="0"/>
               <a:t>)*(</a:t>
             </a:r>
             <a:r>
-              <a:rPr lang="en-US" altLang="zh-CN" dirty="0" smtClean="0">
+              <a:rPr lang="en-US" altLang="zh-CN" dirty="0">
                 <a:solidFill>
                   <a:srgbClr val="FF0000"/>
                 </a:solidFill>
@@ -10160,18 +10330,18 @@
               <a:t>形参类型</a:t>
             </a:r>
             <a:r>
-              <a:rPr lang="en-US" altLang="zh-CN" dirty="0" smtClean="0"/>
+              <a:rPr lang="en-US" altLang="zh-CN" dirty="0"/>
               <a:t>)*)*</a:t>
             </a:r>
           </a:p>
           <a:p>
             <a:pPr lvl="2"/>
             <a:r>
-              <a:rPr lang="en-US" altLang="zh-CN" dirty="0" smtClean="0"/>
+              <a:rPr lang="en-US" altLang="zh-CN" dirty="0"/>
               <a:t>String_prefix_</a:t>
             </a:r>
             <a:r>
-              <a:rPr lang="en-US" altLang="zh-CN" dirty="0" err="1" smtClean="0"/>
+              <a:rPr lang="en-US" altLang="zh-CN" dirty="0" err="1"/>
               <a:t>String$Index</a:t>
             </a:r>
             <a:r>
@@ -10196,18 +10366,14 @@
             </a:r>
             <a:r>
               <a:rPr lang="zh-CN" altLang="en-US" dirty="0"/>
-              <a:t>的方法</a:t>
-            </a:r>
-            <a:r>
-              <a:rPr lang="zh-CN" altLang="en-US" dirty="0" smtClean="0"/>
-              <a:t>名</a:t>
-            </a:r>
-            <a:r>
-              <a:rPr lang="en-US" altLang="zh-CN" dirty="0" smtClean="0"/>
+              <a:t>的方法名</a:t>
+            </a:r>
+            <a:r>
+              <a:rPr lang="en-US" altLang="zh-CN" dirty="0"/>
               <a:t>(</a:t>
             </a:r>
             <a:r>
-              <a:rPr lang="en-US" altLang="zh-CN" dirty="0" smtClean="0">
+              <a:rPr lang="en-US" altLang="zh-CN" dirty="0">
                 <a:solidFill>
                   <a:srgbClr val="FF0000"/>
                 </a:solidFill>
@@ -10223,11 +10389,11 @@
               <a:t>的方法名</a:t>
             </a:r>
             <a:r>
-              <a:rPr lang="en-US" altLang="zh-CN" dirty="0" smtClean="0"/>
+              <a:rPr lang="en-US" altLang="zh-CN" dirty="0"/>
               <a:t>)* </a:t>
             </a:r>
             <a:r>
-              <a:rPr lang="zh-CN" altLang="en-US" dirty="0" smtClean="0"/>
+              <a:rPr lang="zh-CN" altLang="en-US" dirty="0"/>
               <a:t>序号</a:t>
             </a:r>
             <a:endParaRPr lang="en-US" altLang="zh-CN" dirty="0"/>
@@ -10273,7 +10439,7 @@
               <a:pPr>
                 <a:defRPr/>
               </a:pPr>
-              <a:t>2019/11/8</a:t>
+              <a:t>2019/11/11</a:t>
             </a:fld>
             <a:endParaRPr lang="en-US" altLang="zh-CN"/>
           </a:p>
@@ -10357,12 +10523,8 @@
           <a:p>
             <a:pPr algn="ctr" eaLnBrk="1" hangingPunct="1"/>
             <a:r>
-              <a:rPr lang="en-US" altLang="zh-CN" dirty="0" smtClean="0"/>
-              <a:t>String </a:t>
-            </a:r>
-            <a:r>
               <a:rPr lang="en-US" altLang="zh-CN" dirty="0"/>
-              <a:t> prefix(through position: </a:t>
+              <a:t>String  prefix(through position: </a:t>
             </a:r>
             <a:r>
               <a:rPr lang="en-US" altLang="zh-CN" dirty="0" err="1"/>
@@ -10370,22 +10532,14 @@
             </a:r>
             <a:r>
               <a:rPr lang="en-US" altLang="zh-CN" dirty="0"/>
-              <a:t>) -&gt; </a:t>
-            </a:r>
-            <a:r>
-              <a:rPr lang="en-US" altLang="zh-CN" dirty="0" smtClean="0"/>
-              <a:t>Substring;</a:t>
+              <a:t>) -&gt; Substring;</a:t>
             </a:r>
           </a:p>
           <a:p>
             <a:pPr algn="ctr" eaLnBrk="1" hangingPunct="1"/>
             <a:r>
-              <a:rPr lang="en-US" altLang="zh-CN" dirty="0" smtClean="0"/>
-              <a:t>String</a:t>
-            </a:r>
-            <a:r>
               <a:rPr lang="en-US" altLang="zh-CN" dirty="0"/>
-              <a:t> </a:t>
+              <a:t>String </a:t>
             </a:r>
             <a:r>
               <a:rPr lang="en-US" altLang="zh-CN" dirty="0" err="1"/>
@@ -10403,7 +10557,7 @@
               <a:rPr lang="en-US" altLang="zh-CN" dirty="0"/>
               <a:t>?</a:t>
             </a:r>
-            <a:endParaRPr kumimoji="0" lang="zh-CN" altLang="en-US" sz="1800" b="0" i="0" u="none" strike="noStrike" cap="none" normalizeH="0" baseline="0" dirty="0" smtClean="0">
+            <a:endParaRPr kumimoji="0" lang="zh-CN" altLang="en-US" sz="1800" b="0" i="0" u="none" strike="noStrike" cap="none" normalizeH="0" baseline="0" dirty="0">
               <a:ln>
                 <a:noFill/>
               </a:ln>
@@ -10463,10 +10617,9 @@
           <a:lstStyle/>
           <a:p>
             <a:r>
-              <a:rPr lang="zh-CN" altLang="en-US" dirty="0" smtClean="0"/>
+              <a:rPr lang="zh-CN" altLang="en-US" dirty="0"/>
               <a:t>示例代码</a:t>
             </a:r>
-            <a:endParaRPr lang="zh-CN" altLang="en-US" dirty="0"/>
           </a:p>
         </p:txBody>
       </p:sp>
@@ -10491,50 +10644,50 @@
           <a:lstStyle/>
           <a:p>
             <a:r>
-              <a:rPr lang="zh-CN" altLang="en-US" dirty="0" smtClean="0"/>
+              <a:rPr lang="zh-CN" altLang="en-US" dirty="0"/>
               <a:t>类注释</a:t>
             </a:r>
-            <a:endParaRPr lang="en-US" altLang="zh-CN" dirty="0" smtClean="0"/>
+            <a:endParaRPr lang="en-US" altLang="zh-CN" dirty="0"/>
           </a:p>
           <a:p>
             <a:pPr lvl="1"/>
             <a:r>
-              <a:rPr lang="en-US" altLang="zh-CN" dirty="0" smtClean="0"/>
+              <a:rPr lang="en-US" altLang="zh-CN" dirty="0"/>
               <a:t>@author: </a:t>
             </a:r>
             <a:r>
-              <a:rPr lang="zh-CN" altLang="en-US" dirty="0" smtClean="0"/>
+              <a:rPr lang="zh-CN" altLang="en-US" dirty="0"/>
               <a:t>学号</a:t>
             </a:r>
             <a:r>
-              <a:rPr lang="en-US" altLang="zh-CN" dirty="0" smtClean="0"/>
+              <a:rPr lang="en-US" altLang="zh-CN" dirty="0"/>
               <a:t>+</a:t>
             </a:r>
             <a:r>
-              <a:rPr lang="zh-CN" altLang="en-US" dirty="0" smtClean="0"/>
+              <a:rPr lang="zh-CN" altLang="en-US" dirty="0"/>
               <a:t>姓名</a:t>
             </a:r>
-            <a:endParaRPr lang="en-US" altLang="zh-CN" dirty="0" smtClean="0"/>
+            <a:endParaRPr lang="en-US" altLang="zh-CN" dirty="0"/>
           </a:p>
           <a:p>
             <a:pPr lvl="1"/>
             <a:r>
-              <a:rPr lang="en-US" altLang="zh-CN" dirty="0" smtClean="0"/>
+              <a:rPr lang="en-US" altLang="zh-CN" dirty="0"/>
               <a:t>@</a:t>
             </a:r>
             <a:r>
-              <a:rPr lang="en-US" altLang="zh-CN" dirty="0" err="1" smtClean="0"/>
+              <a:rPr lang="en-US" altLang="zh-CN" dirty="0" err="1"/>
               <a:t>className</a:t>
             </a:r>
             <a:r>
-              <a:rPr lang="en-US" altLang="zh-CN" dirty="0" smtClean="0"/>
+              <a:rPr lang="en-US" altLang="zh-CN" dirty="0"/>
               <a:t>: </a:t>
             </a:r>
             <a:r>
-              <a:rPr lang="en-US" altLang="zh-CN" i="1" dirty="0" err="1" smtClean="0"/>
+              <a:rPr lang="en-US" altLang="zh-CN" i="1" dirty="0" err="1"/>
               <a:t>String_lastIndexOf_int_int$int</a:t>
             </a:r>
-            <a:endParaRPr lang="en-US" altLang="zh-CN" i="1" dirty="0" smtClean="0"/>
+            <a:endParaRPr lang="en-US" altLang="zh-CN" i="1" dirty="0"/>
           </a:p>
           <a:p>
             <a:pPr lvl="1"/>
@@ -10615,7 +10768,7 @@
               <a:t>fromIndex</a:t>
             </a:r>
             <a:r>
-              <a:rPr lang="en-US" altLang="zh-CN" dirty="0" smtClean="0"/>
+              <a:rPr lang="en-US" altLang="zh-CN" dirty="0"/>
               <a:t>)</a:t>
             </a:r>
           </a:p>
@@ -10626,10 +10779,10 @@
               <a:t>@description: </a:t>
             </a:r>
             <a:r>
-              <a:rPr lang="zh-CN" altLang="en-US" dirty="0" smtClean="0"/>
+              <a:rPr lang="zh-CN" altLang="en-US" dirty="0"/>
               <a:t>描述测试的内容</a:t>
             </a:r>
-            <a:endParaRPr lang="en-US" altLang="zh-CN" dirty="0" smtClean="0"/>
+            <a:endParaRPr lang="en-US" altLang="zh-CN" dirty="0"/>
           </a:p>
           <a:p>
             <a:pPr lvl="1"/>
@@ -10651,18 +10804,14 @@
             </a:r>
             <a:r>
               <a:rPr lang="en-US" altLang="zh-CN" dirty="0"/>
-              <a:t>) -&gt; Substring</a:t>
-            </a:r>
-            <a:r>
-              <a:rPr lang="en-US" altLang="zh-CN" dirty="0" smtClean="0"/>
-              <a:t>; </a:t>
-            </a:r>
-            <a:r>
-              <a:rPr lang="en-US" altLang="zh-CN" dirty="0" err="1" smtClean="0"/>
+              <a:t>) -&gt; Substring; </a:t>
+            </a:r>
+            <a:r>
+              <a:rPr lang="en-US" altLang="zh-CN" dirty="0" err="1"/>
               <a:t>String$func</a:t>
             </a:r>
             <a:r>
-              <a:rPr lang="en-US" altLang="zh-CN" dirty="0" smtClean="0"/>
+              <a:rPr lang="en-US" altLang="zh-CN" dirty="0"/>
               <a:t> </a:t>
             </a:r>
             <a:r>
@@ -10681,7 +10830,6 @@
               <a:rPr lang="en-US" altLang="zh-CN" dirty="0"/>
               <a:t>?</a:t>
             </a:r>
-            <a:endParaRPr lang="en-US" altLang="zh-CN" dirty="0" smtClean="0"/>
           </a:p>
           <a:p>
             <a:pPr lvl="1"/>
@@ -10756,7 +10904,7 @@
               <a:pPr>
                 <a:defRPr/>
               </a:pPr>
-              <a:t>2019/11/8</a:t>
+              <a:t>2019/11/11</a:t>
             </a:fld>
             <a:endParaRPr lang="en-US" altLang="zh-CN"/>
           </a:p>
@@ -10855,7 +11003,7 @@
               <a:tabLst/>
             </a:pPr>
             <a:r>
-              <a:rPr lang="en-US" altLang="zh-CN" b="1" dirty="0" smtClean="0">
+              <a:rPr lang="en-US" altLang="zh-CN" b="1" dirty="0">
                 <a:solidFill>
                   <a:srgbClr val="FF0000"/>
                 </a:solidFill>
@@ -10863,7 +11011,7 @@
               <a:t>$</a:t>
             </a:r>
             <a:r>
-              <a:rPr lang="zh-CN" altLang="en-US" b="1" dirty="0" smtClean="0">
+              <a:rPr lang="zh-CN" altLang="en-US" b="1" dirty="0">
                 <a:solidFill>
                   <a:srgbClr val="0070C0"/>
                 </a:solidFill>
@@ -10871,7 +11019,7 @@
               <a:t>前面是</a:t>
             </a:r>
             <a:r>
-              <a:rPr lang="en-US" altLang="zh-CN" b="1" dirty="0" smtClean="0">
+              <a:rPr lang="en-US" altLang="zh-CN" b="1" dirty="0">
                 <a:solidFill>
                   <a:srgbClr val="0070C0"/>
                 </a:solidFill>
@@ -10879,14 +11027,14 @@
               <a:t>API</a:t>
             </a:r>
             <a:r>
-              <a:rPr lang="zh-CN" altLang="en-US" b="1" dirty="0" smtClean="0">
+              <a:rPr lang="zh-CN" altLang="en-US" b="1" dirty="0">
                 <a:solidFill>
                   <a:srgbClr val="0070C0"/>
                 </a:solidFill>
               </a:rPr>
               <a:t>所属的类</a:t>
             </a:r>
-            <a:endParaRPr lang="en-US" altLang="zh-CN" b="1" dirty="0" smtClean="0">
+            <a:endParaRPr lang="en-US" altLang="zh-CN" b="1" dirty="0">
               <a:solidFill>
                 <a:srgbClr val="0070C0"/>
               </a:solidFill>
@@ -10910,7 +11058,7 @@
               <a:tabLst/>
             </a:pPr>
             <a:r>
-              <a:rPr lang="zh-CN" altLang="en-US" b="1" dirty="0" smtClean="0">
+              <a:rPr lang="zh-CN" altLang="en-US" b="1" dirty="0">
                 <a:solidFill>
                   <a:srgbClr val="0070C0"/>
                 </a:solidFill>
@@ -10918,7 +11066,7 @@
               <a:t>后面是</a:t>
             </a:r>
             <a:r>
-              <a:rPr lang="en-US" altLang="zh-CN" b="1" dirty="0" smtClean="0">
+              <a:rPr lang="en-US" altLang="zh-CN" b="1" dirty="0">
                 <a:solidFill>
                   <a:srgbClr val="0070C0"/>
                 </a:solidFill>
@@ -10926,7 +11074,7 @@
               <a:t>API</a:t>
             </a:r>
             <a:r>
-              <a:rPr lang="zh-CN" altLang="en-US" b="1" dirty="0" smtClean="0">
+              <a:rPr lang="zh-CN" altLang="en-US" b="1" dirty="0">
                 <a:solidFill>
                   <a:srgbClr val="0070C0"/>
                 </a:solidFill>
@@ -10934,7 +11082,7 @@
               <a:t>的声明直接从</a:t>
             </a:r>
             <a:r>
-              <a:rPr lang="en-US" altLang="zh-CN" b="1" dirty="0" smtClean="0">
+              <a:rPr lang="en-US" altLang="zh-CN" b="1" dirty="0">
                 <a:solidFill>
                   <a:srgbClr val="0070C0"/>
                 </a:solidFill>
@@ -10942,14 +11090,14 @@
               <a:t>API</a:t>
             </a:r>
             <a:r>
-              <a:rPr lang="zh-CN" altLang="en-US" b="1" dirty="0" smtClean="0">
+              <a:rPr lang="zh-CN" altLang="en-US" b="1" dirty="0">
                 <a:solidFill>
                   <a:srgbClr val="0070C0"/>
                 </a:solidFill>
               </a:rPr>
               <a:t>文档中获得即可</a:t>
             </a:r>
-            <a:endParaRPr lang="en-US" altLang="zh-CN" b="1" dirty="0" smtClean="0">
+            <a:endParaRPr lang="en-US" altLang="zh-CN" b="1" dirty="0">
               <a:solidFill>
                 <a:srgbClr val="0070C0"/>
               </a:solidFill>
@@ -10972,7 +11120,7 @@
               <a:buNone/>
               <a:tabLst/>
             </a:pPr>
-            <a:endParaRPr kumimoji="0" lang="zh-CN" altLang="en-US" sz="1800" b="0" i="0" u="none" strike="noStrike" cap="none" normalizeH="0" baseline="0" dirty="0" smtClean="0">
+            <a:endParaRPr kumimoji="0" lang="zh-CN" altLang="en-US" sz="1800" b="0" i="0" u="none" strike="noStrike" cap="none" normalizeH="0" baseline="0" dirty="0">
               <a:ln>
                 <a:noFill/>
               </a:ln>
@@ -11059,210 +11207,179 @@
           <a:lstStyle/>
           <a:p>
             <a:r>
-              <a:rPr lang="zh-CN" altLang="en-US" dirty="0" smtClean="0"/>
+              <a:rPr lang="zh-CN" altLang="en-US" dirty="0"/>
               <a:t>方法注释</a:t>
             </a:r>
-            <a:endParaRPr lang="en-US" altLang="zh-CN" dirty="0" smtClean="0"/>
+            <a:endParaRPr lang="en-US" altLang="zh-CN" dirty="0"/>
           </a:p>
           <a:p>
             <a:pPr lvl="1"/>
             <a:r>
               <a:rPr lang="en-US" altLang="zh-CN" dirty="0"/>
-              <a:t>input: </a:t>
-            </a:r>
-            <a:r>
-              <a:rPr lang="en-US" altLang="zh-CN" dirty="0" smtClean="0"/>
-              <a:t>2   </a:t>
-            </a:r>
-            <a:r>
-              <a:rPr lang="zh-CN" altLang="en-US" dirty="0" smtClean="0"/>
+              <a:t>input: 2   </a:t>
+            </a:r>
+            <a:r>
+              <a:rPr lang="zh-CN" altLang="en-US" dirty="0"/>
               <a:t>（</a:t>
             </a:r>
             <a:r>
-              <a:rPr lang="en-US" altLang="zh-CN" dirty="0" smtClean="0"/>
+              <a:rPr lang="en-US" altLang="zh-CN" dirty="0"/>
               <a:t>2</a:t>
             </a:r>
             <a:r>
-              <a:rPr lang="zh-CN" altLang="en-US" dirty="0" smtClean="0"/>
+              <a:rPr lang="zh-CN" altLang="en-US" dirty="0"/>
               <a:t>代表输入个数）</a:t>
             </a:r>
-            <a:endParaRPr lang="en-US" altLang="zh-CN" dirty="0" smtClean="0"/>
+            <a:endParaRPr lang="en-US" altLang="zh-CN" dirty="0"/>
           </a:p>
           <a:p>
             <a:pPr lvl="1"/>
             <a:r>
-              <a:rPr lang="zh-CN" altLang="en-US" dirty="0" smtClean="0"/>
+              <a:rPr lang="zh-CN" altLang="en-US" dirty="0"/>
               <a:t>变量初始化：</a:t>
             </a:r>
-            <a:endParaRPr lang="en-US" altLang="zh-CN" dirty="0" smtClean="0"/>
+            <a:endParaRPr lang="en-US" altLang="zh-CN" dirty="0"/>
           </a:p>
           <a:p>
             <a:pPr lvl="2"/>
-            <a:r>
-              <a:rPr lang="en-US" altLang="zh-CN" dirty="0" smtClean="0"/>
-              <a:t>Class</a:t>
-            </a:r>
-            <a:r>
-              <a:rPr lang="zh-CN" altLang="en-US" dirty="0" smtClean="0"/>
-              <a:t>序号 空格 </a:t>
-            </a:r>
             <a:r>
               <a:rPr lang="en-US" altLang="zh-CN" dirty="0"/>
               <a:t>Class</a:t>
             </a:r>
             <a:r>
-              <a:rPr lang="zh-CN" altLang="en-US" dirty="0" smtClean="0"/>
+              <a:rPr lang="zh-CN" altLang="en-US" dirty="0"/>
+              <a:t>序号 空格 </a:t>
+            </a:r>
+            <a:r>
+              <a:rPr lang="en-US" altLang="zh-CN" dirty="0"/>
+              <a:t>Class</a:t>
+            </a:r>
+            <a:r>
+              <a:rPr lang="zh-CN" altLang="en-US" dirty="0"/>
               <a:t>序号</a:t>
             </a:r>
             <a:r>
-              <a:rPr lang="en-US" altLang="zh-CN" dirty="0" smtClean="0"/>
-              <a:t>=</a:t>
-            </a:r>
-            <a:r>
               <a:rPr lang="en-US" altLang="zh-CN" dirty="0"/>
-              <a:t>“</a:t>
-            </a:r>
-            <a:r>
-              <a:rPr lang="en-US" altLang="zh-CN" dirty="0" smtClean="0"/>
-              <a:t>xxx</a:t>
-            </a:r>
+              <a:t>=“xxx“</a:t>
+            </a:r>
+          </a:p>
+          <a:p>
+            <a:pPr lvl="2"/>
             <a:r>
               <a:rPr lang="en-US" altLang="zh-CN" dirty="0"/>
-              <a:t>“</a:t>
-            </a:r>
-            <a:endParaRPr lang="en-US" altLang="zh-CN" dirty="0" smtClean="0"/>
+              <a:t>API</a:t>
+            </a:r>
+            <a:r>
+              <a:rPr lang="zh-CN" altLang="en-US" dirty="0"/>
+              <a:t>的形参名 空格  </a:t>
+            </a:r>
+            <a:r>
+              <a:rPr lang="en-US" altLang="zh-CN" dirty="0"/>
+              <a:t>API</a:t>
+            </a:r>
+            <a:r>
+              <a:rPr lang="zh-CN" altLang="en-US" dirty="0"/>
+              <a:t>的形参名</a:t>
+            </a:r>
+            <a:r>
+              <a:rPr lang="en-US" altLang="zh-CN" dirty="0"/>
+              <a:t>=“xxx”</a:t>
+            </a:r>
+          </a:p>
+          <a:p>
+            <a:pPr lvl="1"/>
+            <a:r>
+              <a:rPr lang="en-US" altLang="zh-CN" dirty="0"/>
+              <a:t>output: 1 </a:t>
+            </a:r>
+            <a:r>
+              <a:rPr lang="zh-CN" altLang="en-US" dirty="0"/>
+              <a:t>（</a:t>
+            </a:r>
+            <a:r>
+              <a:rPr lang="en-US" altLang="zh-CN" dirty="0"/>
+              <a:t>1</a:t>
+            </a:r>
+            <a:r>
+              <a:rPr lang="zh-CN" altLang="en-US" dirty="0"/>
+              <a:t>代表</a:t>
+            </a:r>
+            <a:r>
+              <a:rPr lang="en-US" altLang="zh-CN" dirty="0"/>
+              <a:t>API</a:t>
+            </a:r>
+            <a:r>
+              <a:rPr lang="zh-CN" altLang="en-US" dirty="0"/>
+              <a:t>的输出个数）</a:t>
+            </a:r>
+            <a:endParaRPr lang="en-US" altLang="zh-CN" dirty="0"/>
           </a:p>
           <a:p>
             <a:pPr lvl="2"/>
-            <a:r>
-              <a:rPr lang="en-US" altLang="zh-CN" dirty="0" smtClean="0"/>
-              <a:t>API</a:t>
-            </a:r>
-            <a:r>
-              <a:rPr lang="zh-CN" altLang="en-US" dirty="0" smtClean="0"/>
-              <a:t>的形参名 空格  </a:t>
-            </a:r>
-            <a:r>
-              <a:rPr lang="en-US" altLang="zh-CN" dirty="0" smtClean="0"/>
-              <a:t>API</a:t>
-            </a:r>
-            <a:r>
-              <a:rPr lang="zh-CN" altLang="en-US" dirty="0"/>
-              <a:t>的形参</a:t>
-            </a:r>
-            <a:r>
-              <a:rPr lang="zh-CN" altLang="en-US" dirty="0" smtClean="0"/>
-              <a:t>名</a:t>
-            </a:r>
-            <a:r>
-              <a:rPr lang="en-US" altLang="zh-CN" dirty="0" smtClean="0"/>
-              <a:t>=“xxx”</a:t>
-            </a:r>
-            <a:endParaRPr lang="en-US" altLang="zh-CN" dirty="0"/>
-          </a:p>
-          <a:p>
-            <a:pPr lvl="1"/>
-            <a:r>
-              <a:rPr lang="en-US" altLang="zh-CN" dirty="0" smtClean="0"/>
-              <a:t>output: 1 </a:t>
-            </a:r>
-            <a:r>
-              <a:rPr lang="zh-CN" altLang="en-US" dirty="0" smtClean="0"/>
-              <a:t>（</a:t>
-            </a:r>
-            <a:r>
-              <a:rPr lang="en-US" altLang="zh-CN" dirty="0" smtClean="0"/>
-              <a:t>1</a:t>
-            </a:r>
-            <a:r>
-              <a:rPr lang="zh-CN" altLang="en-US" dirty="0" smtClean="0"/>
-              <a:t>代表</a:t>
-            </a:r>
-            <a:r>
-              <a:rPr lang="en-US" altLang="zh-CN" dirty="0" smtClean="0"/>
-              <a:t>API</a:t>
-            </a:r>
-            <a:r>
-              <a:rPr lang="zh-CN" altLang="en-US" dirty="0" smtClean="0"/>
-              <a:t>的输出个数）</a:t>
-            </a:r>
-            <a:endParaRPr lang="en-US" altLang="zh-CN" dirty="0" smtClean="0"/>
-          </a:p>
-          <a:p>
-            <a:pPr lvl="2"/>
-            <a:r>
-              <a:rPr lang="en-US" altLang="zh-CN" dirty="0"/>
-              <a:t>r</a:t>
-            </a:r>
-            <a:r>
-              <a:rPr lang="en-US" altLang="zh-CN" dirty="0" smtClean="0"/>
-              <a:t>et</a:t>
-            </a:r>
-            <a:r>
-              <a:rPr lang="zh-CN" altLang="en-US" dirty="0" smtClean="0"/>
-              <a:t>序号 空格 </a:t>
-            </a:r>
             <a:r>
               <a:rPr lang="en-US" altLang="zh-CN" dirty="0"/>
               <a:t>ret</a:t>
             </a:r>
             <a:r>
-              <a:rPr lang="zh-CN" altLang="en-US" dirty="0" smtClean="0"/>
+              <a:rPr lang="zh-CN" altLang="en-US" dirty="0"/>
+              <a:t>序号 空格 </a:t>
+            </a:r>
+            <a:r>
+              <a:rPr lang="en-US" altLang="zh-CN" dirty="0"/>
+              <a:t>ret</a:t>
+            </a:r>
+            <a:r>
+              <a:rPr lang="zh-CN" altLang="en-US" dirty="0"/>
               <a:t>序号</a:t>
             </a:r>
             <a:r>
               <a:rPr lang="en-US" altLang="zh-CN" dirty="0"/>
-              <a:t>=“xxx</a:t>
-            </a:r>
-            <a:r>
-              <a:rPr lang="en-US" altLang="zh-CN" dirty="0" smtClean="0"/>
-              <a:t>”</a:t>
-            </a:r>
-            <a:r>
-              <a:rPr lang="zh-CN" altLang="en-US" dirty="0" smtClean="0"/>
+              <a:t>=“xxx”</a:t>
+            </a:r>
+            <a:r>
+              <a:rPr lang="zh-CN" altLang="en-US" dirty="0"/>
               <a:t> </a:t>
             </a:r>
-            <a:endParaRPr lang="en-US" altLang="zh-CN" dirty="0" smtClean="0"/>
+            <a:endParaRPr lang="en-US" altLang="zh-CN" dirty="0"/>
           </a:p>
           <a:p>
             <a:pPr lvl="1"/>
             <a:r>
-              <a:rPr lang="zh-CN" altLang="en-US" dirty="0" smtClean="0"/>
+              <a:rPr lang="zh-CN" altLang="en-US" dirty="0"/>
               <a:t>一些不可以 直接赋值的变量</a:t>
             </a:r>
-            <a:endParaRPr lang="en-US" altLang="zh-CN" dirty="0" smtClean="0"/>
+            <a:endParaRPr lang="en-US" altLang="zh-CN" dirty="0"/>
           </a:p>
           <a:p>
             <a:pPr lvl="2"/>
             <a:r>
-              <a:rPr lang="zh-CN" altLang="en-US" dirty="0" smtClean="0"/>
+              <a:rPr lang="zh-CN" altLang="en-US" dirty="0"/>
               <a:t>类型</a:t>
             </a:r>
             <a:r>
-              <a:rPr lang="en-US" altLang="zh-CN" dirty="0" smtClean="0"/>
+              <a:rPr lang="en-US" altLang="zh-CN" dirty="0"/>
               <a:t>$</a:t>
             </a:r>
             <a:r>
-              <a:rPr lang="zh-CN" altLang="en-US" dirty="0" smtClean="0"/>
+              <a:rPr lang="zh-CN" altLang="en-US" dirty="0"/>
               <a:t>变量名</a:t>
             </a:r>
             <a:r>
-              <a:rPr lang="en-US" altLang="zh-CN" dirty="0" smtClean="0"/>
+              <a:rPr lang="en-US" altLang="zh-CN" dirty="0"/>
               <a:t>-pattern &amp; </a:t>
             </a:r>
             <a:r>
-              <a:rPr lang="zh-CN" altLang="en-US" dirty="0" smtClean="0"/>
+              <a:rPr lang="zh-CN" altLang="en-US" dirty="0"/>
               <a:t>初始化示例 </a:t>
             </a:r>
             <a:r>
-              <a:rPr lang="en-US" altLang="zh-CN" dirty="0" smtClean="0"/>
+              <a:rPr lang="en-US" altLang="zh-CN" dirty="0"/>
               <a:t>&amp; </a:t>
             </a:r>
             <a:r>
-              <a:rPr lang="zh-CN" altLang="en-US" dirty="0" smtClean="0"/>
+              <a:rPr lang="zh-CN" altLang="en-US" dirty="0"/>
               <a:t>链接</a:t>
             </a:r>
-            <a:endParaRPr lang="zh-CN" altLang="en-US" dirty="0"/>
           </a:p>
         </p:txBody>
       </p:sp>
@@ -11289,7 +11406,7 @@
               <a:pPr>
                 <a:defRPr/>
               </a:pPr>
-              <a:t>2019/11/8</a:t>
+              <a:t>2019/11/11</a:t>
             </a:fld>
             <a:endParaRPr lang="en-US" altLang="zh-CN"/>
           </a:p>
@@ -11370,14 +11487,13 @@
           <a:lstStyle/>
           <a:p>
             <a:r>
-              <a:rPr lang="en-US" altLang="zh-CN" dirty="0" smtClean="0"/>
+              <a:rPr lang="en-US" altLang="zh-CN" dirty="0"/>
               <a:t>Java </a:t>
             </a:r>
             <a:r>
-              <a:rPr lang="zh-CN" altLang="en-US" dirty="0" smtClean="0"/>
+              <a:rPr lang="zh-CN" altLang="en-US" dirty="0"/>
               <a:t>类例子</a:t>
             </a:r>
-            <a:endParaRPr lang="zh-CN" altLang="en-US" dirty="0"/>
           </a:p>
         </p:txBody>
       </p:sp>
@@ -11426,12 +11542,8 @@
               <a:t>形参类型</a:t>
             </a:r>
             <a:r>
-              <a:rPr lang="en-US" altLang="zh-CN" sz="2000" dirty="0" smtClean="0"/>
+              <a:rPr lang="en-US" altLang="zh-CN" sz="2000" dirty="0"/>
               <a:t>)*</a:t>
-            </a:r>
-            <a:r>
-              <a:rPr lang="en-US" altLang="zh-CN" sz="2000" dirty="0"/>
-              <a:t/>
             </a:r>
             <a:br>
               <a:rPr lang="en-US" altLang="zh-CN" sz="2000" dirty="0"/>
@@ -11448,10 +11560,6 @@
               <a:rPr lang="en-US" altLang="zh-CN" sz="2000" dirty="0" err="1"/>
               <a:t>zhangzejun</a:t>
             </a:r>
-            <a:r>
-              <a:rPr lang="en-US" altLang="zh-CN" sz="2000" dirty="0"/>
-              <a:t/>
-            </a:r>
             <a:br>
               <a:rPr lang="en-US" altLang="zh-CN" sz="2000" dirty="0"/>
             </a:br>
@@ -11472,12 +11580,8 @@
               <a:t>: </a:t>
             </a:r>
             <a:r>
-              <a:rPr lang="en-US" altLang="zh-CN" sz="2000" dirty="0" err="1" smtClean="0"/>
+              <a:rPr lang="en-US" altLang="zh-CN" sz="2000" dirty="0" err="1"/>
               <a:t>String_lastIndexOf_int_int</a:t>
-            </a:r>
-            <a:r>
-              <a:rPr lang="en-US" altLang="zh-CN" sz="2000" dirty="0"/>
-              <a:t/>
             </a:r>
             <a:br>
               <a:rPr lang="en-US" altLang="zh-CN" sz="2000" dirty="0"/>
@@ -11778,7 +11882,7 @@
               <a:t> </a:t>
             </a:r>
             <a:r>
-              <a:rPr lang="en-US" altLang="zh-CN" sz="2000" dirty="0" smtClean="0"/>
+              <a:rPr lang="en-US" altLang="zh-CN" sz="2000" dirty="0"/>
               <a:t>{</a:t>
             </a:r>
           </a:p>
@@ -11787,7 +11891,7 @@
               <a:buNone/>
             </a:pPr>
             <a:r>
-              <a:rPr lang="en-US" altLang="zh-CN" sz="2000" dirty="0" smtClean="0"/>
+              <a:rPr lang="en-US" altLang="zh-CN" sz="2000" dirty="0"/>
               <a:t>	}</a:t>
             </a:r>
           </a:p>
@@ -11819,7 +11923,7 @@
               <a:pPr>
                 <a:defRPr/>
               </a:pPr>
-              <a:t>2019/11/8</a:t>
+              <a:t>2019/11/11</a:t>
             </a:fld>
             <a:endParaRPr lang="en-US" altLang="zh-CN"/>
           </a:p>
@@ -11900,14 +12004,13 @@
           <a:lstStyle/>
           <a:p>
             <a:r>
-              <a:rPr lang="en-US" altLang="zh-CN" dirty="0" smtClean="0"/>
+              <a:rPr lang="en-US" altLang="zh-CN" dirty="0"/>
               <a:t>Java</a:t>
             </a:r>
             <a:r>
-              <a:rPr lang="zh-CN" altLang="en-US" dirty="0" smtClean="0"/>
+              <a:rPr lang="zh-CN" altLang="en-US" dirty="0"/>
               <a:t>方法例子</a:t>
             </a:r>
-            <a:endParaRPr lang="zh-CN" altLang="en-US" dirty="0"/>
           </a:p>
         </p:txBody>
       </p:sp>
@@ -12119,15 +12222,7 @@
             </a:r>
             <a:r>
               <a:rPr lang="en-US" altLang="zh-CN" sz="1800" dirty="0"/>
-              <a:t>(e</a:t>
-            </a:r>
-            <a:r>
-              <a:rPr lang="en-US" altLang="zh-CN" sz="1800" dirty="0" smtClean="0"/>
-              <a:t>);</a:t>
-            </a:r>
-            <a:r>
-              <a:rPr lang="en-US" altLang="zh-CN" sz="1800" dirty="0"/>
-              <a:t/>
+              <a:t>(e);</a:t>
             </a:r>
             <a:br>
               <a:rPr lang="en-US" altLang="zh-CN" sz="1800" dirty="0"/>
@@ -12163,7 +12258,7 @@
               <a:pPr>
                 <a:defRPr/>
               </a:pPr>
-              <a:t>2019/11/8</a:t>
+              <a:t>2019/11/11</a:t>
             </a:fld>
             <a:endParaRPr lang="en-US" altLang="zh-CN"/>
           </a:p>
@@ -12262,7 +12357,7 @@
               <a:tabLst/>
             </a:pPr>
             <a:r>
-              <a:rPr lang="en-US" altLang="zh-CN" b="1" dirty="0" smtClean="0">
+              <a:rPr lang="en-US" altLang="zh-CN" b="1" dirty="0">
                 <a:solidFill>
                   <a:srgbClr val="FF0000"/>
                 </a:solidFill>
@@ -12270,7 +12365,7 @@
               <a:t>a</a:t>
             </a:r>
             <a:r>
-              <a:rPr kumimoji="0" lang="en-US" altLang="zh-CN" sz="1800" b="1" i="0" u="none" strike="noStrike" cap="none" normalizeH="0" baseline="0" dirty="0" smtClean="0">
+              <a:rPr kumimoji="0" lang="en-US" altLang="zh-CN" sz="1800" b="1" i="0" u="none" strike="noStrike" cap="none" normalizeH="0" baseline="0" dirty="0">
                 <a:ln>
                   <a:noFill/>
                 </a:ln>
@@ -12282,7 +12377,7 @@
               <a:t>ssert</a:t>
             </a:r>
             <a:r>
-              <a:rPr kumimoji="0" lang="zh-CN" altLang="en-US" sz="1800" b="0" i="0" u="none" strike="noStrike" cap="none" normalizeH="0" baseline="0" dirty="0" smtClean="0">
+              <a:rPr kumimoji="0" lang="zh-CN" altLang="en-US" sz="1800" b="0" i="0" u="none" strike="noStrike" cap="none" normalizeH="0" baseline="0" dirty="0">
                 <a:ln>
                   <a:noFill/>
                 </a:ln>
@@ -12295,7 +12390,7 @@
               </a:rPr>
               <a:t>断言用来</a:t>
             </a:r>
-            <a:endParaRPr kumimoji="0" lang="en-US" altLang="zh-CN" sz="1800" b="0" i="0" u="none" strike="noStrike" cap="none" normalizeH="0" baseline="0" dirty="0" smtClean="0">
+            <a:endParaRPr kumimoji="0" lang="en-US" altLang="zh-CN" sz="1800" b="0" i="0" u="none" strike="noStrike" cap="none" normalizeH="0" baseline="0" dirty="0">
               <a:ln>
                 <a:noFill/>
               </a:ln>
@@ -12325,7 +12420,7 @@
               <a:tabLst/>
             </a:pPr>
             <a:r>
-              <a:rPr kumimoji="0" lang="zh-CN" altLang="en-US" sz="1800" b="0" i="0" u="none" strike="noStrike" cap="none" normalizeH="0" baseline="0" dirty="0" smtClean="0">
+              <a:rPr kumimoji="0" lang="zh-CN" altLang="en-US" sz="1800" b="0" i="0" u="none" strike="noStrike" cap="none" normalizeH="0" baseline="0" dirty="0">
                 <a:ln>
                   <a:noFill/>
                 </a:ln>
@@ -12339,7 +12434,7 @@
               <a:t>检验代码的正确性</a:t>
             </a:r>
             <a:r>
-              <a:rPr kumimoji="0" lang="en-US" altLang="zh-CN" sz="1800" b="0" i="0" u="none" strike="noStrike" cap="none" normalizeH="0" baseline="0" dirty="0" smtClean="0">
+              <a:rPr kumimoji="0" lang="en-US" altLang="zh-CN" sz="1800" b="0" i="0" u="none" strike="noStrike" cap="none" normalizeH="0" baseline="0" dirty="0">
                 <a:ln>
                   <a:noFill/>
                 </a:ln>
@@ -12352,7 +12447,7 @@
               </a:rPr>
               <a:t> </a:t>
             </a:r>
-            <a:endParaRPr kumimoji="0" lang="zh-CN" altLang="en-US" sz="1800" b="0" i="0" u="none" strike="noStrike" cap="none" normalizeH="0" baseline="0" dirty="0" smtClean="0">
+            <a:endParaRPr kumimoji="0" lang="zh-CN" altLang="en-US" sz="1800" b="0" i="0" u="none" strike="noStrike" cap="none" normalizeH="0" baseline="0" dirty="0">
               <a:ln>
                 <a:noFill/>
               </a:ln>
@@ -12412,14 +12507,13 @@
           <a:lstStyle/>
           <a:p>
             <a:r>
-              <a:rPr lang="en-US" altLang="zh-CN" dirty="0" smtClean="0"/>
+              <a:rPr lang="en-US" altLang="zh-CN" dirty="0"/>
               <a:t>Swift </a:t>
             </a:r>
             <a:r>
-              <a:rPr lang="zh-CN" altLang="en-US" dirty="0" smtClean="0"/>
+              <a:rPr lang="zh-CN" altLang="en-US" dirty="0"/>
               <a:t>类例子</a:t>
             </a:r>
-            <a:endParaRPr lang="zh-CN" altLang="en-US" dirty="0"/>
           </a:p>
         </p:txBody>
       </p:sp>
@@ -12468,12 +12562,8 @@
               <a:t>形参类型</a:t>
             </a:r>
             <a:r>
-              <a:rPr lang="en-US" altLang="zh-CN" sz="2000" dirty="0" smtClean="0"/>
+              <a:rPr lang="en-US" altLang="zh-CN" sz="2000" dirty="0"/>
               <a:t>)*</a:t>
-            </a:r>
-            <a:r>
-              <a:rPr lang="en-US" altLang="zh-CN" sz="2000" dirty="0"/>
-              <a:t/>
             </a:r>
             <a:br>
               <a:rPr lang="en-US" altLang="zh-CN" sz="2000" dirty="0"/>
@@ -12486,10 +12576,6 @@
               <a:rPr lang="en-US" altLang="zh-CN" sz="2000" dirty="0" err="1"/>
               <a:t>zhangzejun</a:t>
             </a:r>
-            <a:r>
-              <a:rPr lang="en-US" altLang="zh-CN" sz="2000" dirty="0"/>
-              <a:t/>
-            </a:r>
             <a:br>
               <a:rPr lang="en-US" altLang="zh-CN" sz="2000" dirty="0"/>
             </a:br>
@@ -12516,10 +12602,6 @@
             <a:r>
               <a:rPr lang="en-US" altLang="zh-CN" sz="2000" dirty="0" err="1"/>
               <a:t>String_lastIndex_Character</a:t>
-            </a:r>
-            <a:r>
-              <a:rPr lang="en-US" altLang="zh-CN" sz="2000" dirty="0"/>
-              <a:t/>
             </a:r>
             <a:br>
               <a:rPr lang="en-US" altLang="zh-CN" sz="2000" dirty="0"/>
@@ -12676,7 +12758,7 @@
               <a:pPr>
                 <a:defRPr/>
               </a:pPr>
-              <a:t>2019/11/8</a:t>
+              <a:t>2019/11/11</a:t>
             </a:fld>
             <a:endParaRPr lang="en-US" altLang="zh-CN"/>
           </a:p>
@@ -12775,7 +12857,7 @@
               <a:tabLst/>
             </a:pPr>
             <a:r>
-              <a:rPr lang="zh-CN" altLang="en-US" b="1" dirty="0" smtClean="0">
+              <a:rPr lang="zh-CN" altLang="en-US" b="1" dirty="0">
                 <a:solidFill>
                   <a:srgbClr val="FF0000"/>
                 </a:solidFill>
@@ -12783,14 +12865,14 @@
               <a:t>；</a:t>
             </a:r>
             <a:r>
-              <a:rPr lang="zh-CN" altLang="en-US" b="1" dirty="0" smtClean="0"/>
+              <a:rPr lang="zh-CN" altLang="en-US" b="1" dirty="0"/>
               <a:t>用来分隔</a:t>
             </a:r>
             <a:r>
-              <a:rPr lang="en-US" altLang="zh-CN" b="1" dirty="0" smtClean="0"/>
+              <a:rPr lang="en-US" altLang="zh-CN" b="1" dirty="0"/>
               <a:t>API signature</a:t>
             </a:r>
-            <a:endParaRPr kumimoji="0" lang="zh-CN" altLang="en-US" sz="1800" b="1" i="0" u="none" strike="noStrike" cap="none" normalizeH="0" baseline="0" dirty="0" smtClean="0">
+            <a:endParaRPr kumimoji="0" lang="zh-CN" altLang="en-US" sz="1800" b="1" i="0" u="none" strike="noStrike" cap="none" normalizeH="0" baseline="0" dirty="0">
               <a:ln>
                 <a:noFill/>
               </a:ln>
@@ -12850,16 +12932,12 @@
           <a:lstStyle/>
           <a:p>
             <a:r>
-              <a:rPr lang="en-US" altLang="zh-CN" dirty="0" smtClean="0"/>
+              <a:rPr lang="en-US" altLang="zh-CN" dirty="0"/>
               <a:t>Swift </a:t>
             </a:r>
             <a:r>
-              <a:rPr lang="zh-CN" altLang="en-US" dirty="0" smtClean="0"/>
-              <a:t>方法</a:t>
-            </a:r>
-            <a:r>
               <a:rPr lang="zh-CN" altLang="en-US" dirty="0"/>
-              <a:t>例子</a:t>
+              <a:t>方法例子</a:t>
             </a:r>
           </a:p>
         </p:txBody>
@@ -12887,10 +12965,6 @@
             <a:pPr marL="0" indent="0">
               <a:buNone/>
             </a:pPr>
-            <a:r>
-              <a:rPr lang="en-US" altLang="zh-CN" sz="1600" dirty="0"/>
-              <a:t/>
-            </a:r>
             <a:br>
               <a:rPr lang="en-US" altLang="zh-CN" sz="1600" dirty="0"/>
             </a:br>
@@ -12915,10 +12989,6 @@
             <a:r>
               <a:rPr lang="en-US" altLang="zh-CN" sz="1600" dirty="0" err="1"/>
               <a:t>String.Index$through</a:t>
-            </a:r>
-            <a:r>
-              <a:rPr lang="en-US" altLang="zh-CN" sz="1600" dirty="0"/>
-              <a:t/>
             </a:r>
             <a:br>
               <a:rPr lang="en-US" altLang="zh-CN" sz="1600" dirty="0"/>
@@ -13037,15 +13107,7 @@
             </a:r>
             <a:r>
               <a:rPr lang="en-US" altLang="zh-CN" sz="1600" dirty="0"/>
-              <a:t>=2 &amp; https://</a:t>
-            </a:r>
-            <a:r>
-              <a:rPr lang="en-US" altLang="zh-CN" sz="1600" dirty="0" smtClean="0"/>
-              <a:t>stackoverflow.com/questions/32967445/how-to-check-what-a-string-starts-with-prefix-or-ends-with-suffix-in-swift</a:t>
-            </a:r>
-            <a:r>
-              <a:rPr lang="en-US" altLang="zh-CN" sz="1600" dirty="0"/>
-              <a:t/>
+              <a:t>=2 &amp; https://stackoverflow.com/questions/32967445/how-to-check-what-a-string-starts-with-prefix-or-ends-with-suffix-in-swift</a:t>
             </a:r>
             <a:br>
               <a:rPr lang="en-US" altLang="zh-CN" sz="1600" dirty="0"/>
@@ -13179,17 +13241,13 @@
             </a:br>
             <a:r>
               <a:rPr lang="en-US" altLang="zh-CN" sz="1600" dirty="0"/>
-              <a:t>        assert(class1[ret1!]=="e</a:t>
-            </a:r>
-            <a:r>
-              <a:rPr lang="en-US" altLang="zh-CN" sz="1600" dirty="0" smtClean="0"/>
-              <a:t>")</a:t>
+              <a:t>        assert(class1[ret1!]=="e")</a:t>
             </a:r>
             <a:br>
-              <a:rPr lang="en-US" altLang="zh-CN" sz="1600" dirty="0" smtClean="0"/>
+              <a:rPr lang="en-US" altLang="zh-CN" sz="1600" dirty="0"/>
             </a:br>
             <a:r>
-              <a:rPr lang="en-US" altLang="zh-CN" sz="1600" dirty="0" smtClean="0"/>
+              <a:rPr lang="en-US" altLang="zh-CN" sz="1600" dirty="0"/>
               <a:t>    }</a:t>
             </a:r>
             <a:endParaRPr lang="zh-CN" altLang="en-US" sz="1600" dirty="0"/>
@@ -13219,7 +13277,7 @@
               <a:pPr>
                 <a:defRPr/>
               </a:pPr>
-              <a:t>2019/11/8</a:t>
+              <a:t>2019/11/11</a:t>
             </a:fld>
             <a:endParaRPr lang="en-US" altLang="zh-CN" dirty="0"/>
           </a:p>
@@ -13300,10 +13358,9 @@
           <a:lstStyle/>
           <a:p>
             <a:r>
-              <a:rPr lang="zh-CN" altLang="en-US" dirty="0" smtClean="0"/>
+              <a:rPr lang="zh-CN" altLang="en-US" dirty="0"/>
               <a:t>参考的链接</a:t>
             </a:r>
-            <a:endParaRPr lang="zh-CN" altLang="en-US" dirty="0"/>
           </a:p>
         </p:txBody>
       </p:sp>
@@ -13323,14 +13380,14 @@
           <a:lstStyle/>
           <a:p>
             <a:r>
-              <a:rPr lang="en-US" altLang="zh-CN" dirty="0" smtClean="0"/>
+              <a:rPr lang="en-US" altLang="zh-CN" dirty="0"/>
               <a:t>Java API</a:t>
             </a:r>
             <a:r>
-              <a:rPr lang="zh-CN" altLang="en-US" dirty="0" smtClean="0"/>
+              <a:rPr lang="zh-CN" altLang="en-US" dirty="0"/>
               <a:t>文档</a:t>
             </a:r>
-            <a:endParaRPr lang="en-US" altLang="zh-CN" dirty="0" smtClean="0"/>
+            <a:endParaRPr lang="en-US" altLang="zh-CN" dirty="0"/>
           </a:p>
           <a:p>
             <a:pPr lvl="1"/>
@@ -13338,26 +13395,20 @@
               <a:rPr lang="en-US" altLang="zh-CN" dirty="0">
                 <a:hlinkClick r:id="rId2"/>
               </a:rPr>
-              <a:t>https://</a:t>
-            </a:r>
-            <a:r>
-              <a:rPr lang="en-US" altLang="zh-CN" dirty="0" smtClean="0">
-                <a:hlinkClick r:id="rId2"/>
-              </a:rPr>
-              <a:t>developer.android.com/reference/packages</a:t>
-            </a:r>
-            <a:endParaRPr lang="en-US" altLang="zh-CN" dirty="0" smtClean="0"/>
-          </a:p>
-          <a:p>
-            <a:r>
-              <a:rPr lang="en-US" altLang="zh-CN" dirty="0" smtClean="0"/>
+              <a:t>https://developer.android.com/reference/packages</a:t>
+            </a:r>
+            <a:endParaRPr lang="en-US" altLang="zh-CN" dirty="0"/>
+          </a:p>
+          <a:p>
+            <a:r>
+              <a:rPr lang="en-US" altLang="zh-CN" dirty="0"/>
               <a:t>Swift API </a:t>
             </a:r>
             <a:r>
-              <a:rPr lang="zh-CN" altLang="en-US" dirty="0" smtClean="0"/>
+              <a:rPr lang="zh-CN" altLang="en-US" dirty="0"/>
               <a:t>文档</a:t>
             </a:r>
-            <a:endParaRPr lang="en-US" altLang="zh-CN" dirty="0" smtClean="0"/>
+            <a:endParaRPr lang="en-US" altLang="zh-CN" dirty="0"/>
           </a:p>
           <a:p>
             <a:pPr lvl="1"/>
@@ -13365,31 +13416,25 @@
               <a:rPr lang="en-US" altLang="zh-CN" dirty="0">
                 <a:hlinkClick r:id="rId3"/>
               </a:rPr>
-              <a:t>https://developer.apple.com/documentation</a:t>
-            </a:r>
-            <a:r>
-              <a:rPr lang="en-US" altLang="zh-CN" dirty="0" smtClean="0">
-                <a:hlinkClick r:id="rId3"/>
-              </a:rPr>
-              <a:t>/</a:t>
-            </a:r>
-            <a:endParaRPr lang="en-US" altLang="zh-CN" dirty="0" smtClean="0"/>
-          </a:p>
-          <a:p>
-            <a:r>
-              <a:rPr lang="zh-CN" altLang="en-US" dirty="0" smtClean="0"/>
+              <a:t>https://developer.apple.com/documentation/</a:t>
+            </a:r>
+            <a:endParaRPr lang="en-US" altLang="zh-CN" dirty="0"/>
+          </a:p>
+          <a:p>
+            <a:r>
+              <a:rPr lang="zh-CN" altLang="en-US" dirty="0"/>
               <a:t>博客，</a:t>
             </a:r>
             <a:r>
-              <a:rPr lang="en-US" altLang="zh-CN" dirty="0" err="1" smtClean="0"/>
+              <a:rPr lang="en-US" altLang="zh-CN" dirty="0" err="1"/>
               <a:t>github</a:t>
             </a:r>
             <a:r>
-              <a:rPr lang="zh-CN" altLang="en-US" dirty="0" smtClean="0"/>
+              <a:rPr lang="zh-CN" altLang="en-US" dirty="0"/>
               <a:t>，</a:t>
             </a:r>
             <a:r>
-              <a:rPr lang="en-US" altLang="zh-CN" dirty="0" smtClean="0"/>
+              <a:rPr lang="en-US" altLang="zh-CN" dirty="0"/>
               <a:t>stack overflow</a:t>
             </a:r>
             <a:r>
@@ -13422,7 +13467,7 @@
               <a:pPr>
                 <a:defRPr/>
               </a:pPr>
-              <a:t>2019/11/8</a:t>
+              <a:t>2019/11/11</a:t>
             </a:fld>
             <a:endParaRPr lang="en-US" altLang="zh-CN"/>
           </a:p>
@@ -13511,11 +13556,11 @@
               <a:buNone/>
             </a:pPr>
             <a:r>
-              <a:rPr lang="zh-CN" altLang="en-US" sz="4800" b="1" dirty="0" smtClean="0"/>
+              <a:rPr lang="zh-CN" altLang="en-US" sz="4800" b="1" dirty="0"/>
               <a:t>谢谢大家</a:t>
             </a:r>
             <a:r>
-              <a:rPr lang="en-US" altLang="zh-CN" sz="4800" b="1" dirty="0" smtClean="0"/>
+              <a:rPr lang="en-US" altLang="zh-CN" sz="4800" b="1" dirty="0"/>
               <a:t>!</a:t>
             </a:r>
             <a:endParaRPr lang="zh-CN" altLang="en-US" sz="4800" b="1" dirty="0"/>
@@ -13545,7 +13590,7 @@
               <a:pPr>
                 <a:defRPr/>
               </a:pPr>
-              <a:t>2019/11/8</a:t>
+              <a:t>2019/11/11</a:t>
             </a:fld>
             <a:endParaRPr lang="en-US" altLang="zh-CN"/>
           </a:p>
@@ -13598,13 +13643,6 @@
       <p:transition spd="slow" advTm="2332"/>
     </mc:Fallback>
   </mc:AlternateContent>
-  <p:timing>
-    <p:tnLst>
-      <p:par>
-        <p:cTn id="1" dur="indefinite" restart="never" nodeType="tmRoot"/>
-      </p:par>
-    </p:tnLst>
-  </p:timing>
 </p:sld>
 </file>
 
@@ -13641,10 +13679,9 @@
           <a:lstStyle/>
           <a:p>
             <a:r>
-              <a:rPr lang="zh-CN" altLang="en-US" dirty="0" smtClean="0"/>
+              <a:rPr lang="zh-CN" altLang="en-US" dirty="0"/>
               <a:t>任务 </a:t>
             </a:r>
-            <a:endParaRPr lang="zh-CN" altLang="en-US" dirty="0"/>
           </a:p>
         </p:txBody>
       </p:sp>
@@ -13664,93 +13701,80 @@
           <a:lstStyle/>
           <a:p>
             <a:r>
-              <a:rPr lang="zh-CN" altLang="en-US" dirty="0" smtClean="0"/>
+              <a:rPr lang="zh-CN" altLang="en-US" dirty="0"/>
               <a:t>寻找</a:t>
             </a:r>
             <a:r>
-              <a:rPr lang="en-US" altLang="zh-CN" dirty="0" smtClean="0"/>
+              <a:rPr lang="en-US" altLang="zh-CN" dirty="0"/>
               <a:t>API</a:t>
             </a:r>
             <a:r>
-              <a:rPr lang="zh-CN" altLang="en-US" dirty="0" smtClean="0"/>
+              <a:rPr lang="zh-CN" altLang="en-US" dirty="0"/>
               <a:t>映射</a:t>
             </a:r>
-            <a:endParaRPr lang="en-US" altLang="zh-CN" dirty="0" smtClean="0"/>
+            <a:endParaRPr lang="en-US" altLang="zh-CN" dirty="0"/>
           </a:p>
           <a:p>
             <a:pPr lvl="1"/>
             <a:r>
-              <a:rPr lang="zh-CN" altLang="en-US" dirty="0" smtClean="0"/>
+              <a:rPr lang="zh-CN" altLang="en-US" dirty="0"/>
               <a:t>给定一个</a:t>
             </a:r>
             <a:r>
-              <a:rPr lang="en-US" altLang="zh-CN" dirty="0" smtClean="0"/>
+              <a:rPr lang="en-US" altLang="zh-CN" dirty="0"/>
               <a:t>Java API   </a:t>
             </a:r>
             <a:r>
-              <a:rPr lang="zh-CN" altLang="en-US" dirty="0" smtClean="0"/>
+              <a:rPr lang="zh-CN" altLang="en-US" dirty="0"/>
               <a:t>，找出在</a:t>
             </a:r>
             <a:r>
-              <a:rPr lang="en-US" altLang="zh-CN" dirty="0" smtClean="0"/>
+              <a:rPr lang="en-US" altLang="zh-CN" dirty="0"/>
               <a:t>Swift</a:t>
             </a:r>
             <a:r>
-              <a:rPr lang="zh-CN" altLang="en-US" dirty="0" smtClean="0"/>
+              <a:rPr lang="zh-CN" altLang="en-US" dirty="0"/>
               <a:t>中实现了与之相同功能</a:t>
             </a:r>
             <a:r>
-              <a:rPr lang="en-US" altLang="zh-CN" dirty="0" smtClean="0"/>
+              <a:rPr lang="en-US" altLang="zh-CN" dirty="0"/>
               <a:t>API</a:t>
             </a:r>
             <a:r>
-              <a:rPr lang="zh-CN" altLang="en-US" dirty="0" smtClean="0"/>
-              <a:t>序列 </a:t>
-            </a:r>
-            <a:r>
-              <a:rPr lang="zh-CN" altLang="en-US" dirty="0" smtClean="0"/>
-              <a:t>      （</a:t>
-            </a:r>
-            <a:r>
-              <a:rPr lang="zh-CN" altLang="en-US" dirty="0" smtClean="0"/>
-              <a:t>可能存在一对一也可能存在一对多的映射</a:t>
-            </a:r>
-            <a:r>
-              <a:rPr lang="zh-CN" altLang="en-US" dirty="0" smtClean="0"/>
-              <a:t>）</a:t>
-            </a:r>
-            <a:endParaRPr lang="en-US" altLang="zh-CN" dirty="0" smtClean="0"/>
+              <a:rPr lang="zh-CN" altLang="en-US" dirty="0"/>
+              <a:t>序列       （可能存在一对一也可能存在一对多的映射）</a:t>
+            </a:r>
+            <a:endParaRPr lang="en-US" altLang="zh-CN" dirty="0"/>
           </a:p>
           <a:p>
             <a:pPr lvl="1"/>
             <a:r>
-              <a:rPr lang="zh-CN" altLang="en-US" dirty="0" smtClean="0"/>
+              <a:rPr lang="zh-CN" altLang="en-US" dirty="0"/>
               <a:t>如果不存在映射给出理由（文字解释，有用链接，示例代码等均可）</a:t>
             </a:r>
-            <a:endParaRPr lang="en-US" altLang="zh-CN" dirty="0" smtClean="0"/>
-          </a:p>
-          <a:p>
-            <a:r>
-              <a:rPr lang="zh-CN" altLang="en-US" dirty="0" smtClean="0"/>
+            <a:endParaRPr lang="en-US" altLang="zh-CN" dirty="0"/>
+          </a:p>
+          <a:p>
+            <a:r>
+              <a:rPr lang="zh-CN" altLang="en-US" dirty="0"/>
               <a:t>编写示例代码</a:t>
             </a:r>
-            <a:endParaRPr lang="en-US" altLang="zh-CN" dirty="0" smtClean="0"/>
+            <a:endParaRPr lang="en-US" altLang="zh-CN" dirty="0"/>
           </a:p>
           <a:p>
             <a:pPr lvl="1"/>
             <a:r>
-              <a:rPr lang="zh-CN" altLang="en-US" dirty="0" smtClean="0"/>
+              <a:rPr lang="zh-CN" altLang="en-US" dirty="0"/>
               <a:t>对于存在的</a:t>
             </a:r>
             <a:r>
-              <a:rPr lang="en-US" altLang="zh-CN" dirty="0" smtClean="0"/>
+              <a:rPr lang="en-US" altLang="zh-CN" dirty="0"/>
               <a:t>API</a:t>
             </a:r>
             <a:r>
-              <a:rPr lang="zh-CN" altLang="en-US" dirty="0" smtClean="0"/>
+              <a:rPr lang="zh-CN" altLang="en-US" dirty="0"/>
               <a:t>映射关系，分别在相同的测试用例下编写可运行的代码</a:t>
             </a:r>
-            <a:endParaRPr lang="zh-CN" altLang="en-US" dirty="0"/>
           </a:p>
         </p:txBody>
       </p:sp>
@@ -13777,7 +13801,7 @@
               <a:pPr>
                 <a:defRPr/>
               </a:pPr>
-              <a:t>2019/11/8</a:t>
+              <a:t>2019/11/11</a:t>
             </a:fld>
             <a:endParaRPr lang="en-US" altLang="zh-CN"/>
           </a:p>
@@ -13986,10 +14010,9 @@
           <a:lstStyle/>
           <a:p>
             <a:r>
-              <a:rPr lang="zh-CN" altLang="en-US" dirty="0" smtClean="0"/>
+              <a:rPr lang="zh-CN" altLang="en-US" dirty="0"/>
               <a:t>提交作业说明</a:t>
             </a:r>
-            <a:endParaRPr lang="zh-CN" altLang="en-US" dirty="0"/>
           </a:p>
         </p:txBody>
       </p:sp>
@@ -14009,7 +14032,7 @@
           <a:lstStyle/>
           <a:p>
             <a:r>
-              <a:rPr lang="zh-CN" altLang="en-US" dirty="0" smtClean="0"/>
+              <a:rPr lang="zh-CN" altLang="en-US" dirty="0"/>
               <a:t>在</a:t>
             </a:r>
             <a:r>
@@ -14029,66 +14052,58 @@
               <a:t>.</a:t>
             </a:r>
             <a:r>
-              <a:rPr lang="en-US" altLang="zh-CN" dirty="0" err="1" smtClean="0"/>
+              <a:rPr lang="en-US" altLang="zh-CN" dirty="0" err="1"/>
               <a:t>xlsx</a:t>
             </a:r>
             <a:r>
-              <a:rPr lang="zh-CN" altLang="en-US" dirty="0" smtClean="0"/>
+              <a:rPr lang="zh-CN" altLang="en-US" dirty="0"/>
               <a:t>中分配了每一个人要做的任务</a:t>
             </a:r>
-            <a:endParaRPr lang="en-US" altLang="zh-CN" dirty="0" smtClean="0"/>
-          </a:p>
-          <a:p>
-            <a:r>
-              <a:rPr lang="zh-CN" altLang="en-US" dirty="0" smtClean="0"/>
+            <a:endParaRPr lang="en-US" altLang="zh-CN" dirty="0"/>
+          </a:p>
+          <a:p>
+            <a:r>
+              <a:rPr lang="zh-CN" altLang="en-US" dirty="0"/>
               <a:t>在</a:t>
             </a:r>
             <a:r>
-              <a:rPr lang="en-US" altLang="zh-CN" dirty="0" smtClean="0"/>
+              <a:rPr lang="en-US" altLang="zh-CN" dirty="0"/>
               <a:t>all_api_map_benchmark.xlsx</a:t>
             </a:r>
             <a:r>
-              <a:rPr lang="zh-CN" altLang="en-US" dirty="0" smtClean="0"/>
+              <a:rPr lang="zh-CN" altLang="en-US" dirty="0"/>
               <a:t>中做自己的任务</a:t>
             </a:r>
-            <a:endParaRPr lang="en-US" altLang="zh-CN" dirty="0" smtClean="0"/>
-          </a:p>
-          <a:p>
-            <a:r>
-              <a:rPr lang="zh-CN" altLang="en-US" dirty="0" smtClean="0"/>
-              <a:t>提交示例代码</a:t>
-            </a:r>
+            <a:endParaRPr lang="en-US" altLang="zh-CN" dirty="0"/>
+          </a:p>
+          <a:p>
             <a:r>
               <a:rPr lang="zh-CN" altLang="en-US" dirty="0"/>
-              <a:t>到</a:t>
-            </a:r>
-            <a:r>
-              <a:rPr lang="en-US" altLang="zh-CN" dirty="0" err="1" smtClean="0"/>
+              <a:t>提交示例代码到</a:t>
+            </a:r>
+            <a:r>
+              <a:rPr lang="en-US" altLang="zh-CN" dirty="0" err="1"/>
               <a:t>github</a:t>
             </a:r>
-            <a:endParaRPr lang="en-US" altLang="zh-CN" dirty="0" smtClean="0"/>
+            <a:endParaRPr lang="en-US" altLang="zh-CN" dirty="0"/>
           </a:p>
           <a:p>
             <a:pPr lvl="1"/>
             <a:r>
-              <a:rPr lang="zh-CN" altLang="en-US" dirty="0" smtClean="0"/>
+              <a:rPr lang="zh-CN" altLang="en-US" dirty="0"/>
               <a:t>命名规则：学号</a:t>
             </a:r>
-            <a:endParaRPr lang="en-US" altLang="zh-CN" dirty="0" smtClean="0"/>
+            <a:endParaRPr lang="en-US" altLang="zh-CN" dirty="0"/>
           </a:p>
           <a:p>
             <a:pPr lvl="1"/>
             <a:r>
-              <a:rPr lang="en-US" altLang="zh-CN" dirty="0" err="1" smtClean="0"/>
+              <a:rPr lang="en-US" altLang="zh-CN" dirty="0" err="1"/>
               <a:t>Github</a:t>
             </a:r>
             <a:r>
-              <a:rPr lang="zh-CN" altLang="en-US" dirty="0" smtClean="0"/>
-              <a:t>地址</a:t>
-            </a:r>
-            <a:r>
-              <a:rPr lang="zh-CN" altLang="en-US" dirty="0" smtClean="0"/>
-              <a:t>：</a:t>
+              <a:rPr lang="zh-CN" altLang="en-US" dirty="0"/>
+              <a:t>地址：</a:t>
             </a:r>
             <a:r>
               <a:rPr lang="en-US" altLang="zh-CN" dirty="0"/>
@@ -14114,14 +14129,14 @@
               <a:rPr lang="en-US" altLang="zh-CN" dirty="0" err="1"/>
               <a:t>sehomework</a:t>
             </a:r>
-            <a:endParaRPr lang="en-US" altLang="zh-CN" dirty="0" smtClean="0"/>
-          </a:p>
-          <a:p>
-            <a:r>
-              <a:rPr lang="zh-CN" altLang="en-US" dirty="0" smtClean="0"/>
+            <a:endParaRPr lang="en-US" altLang="zh-CN" dirty="0"/>
+          </a:p>
+          <a:p>
+            <a:r>
+              <a:rPr lang="zh-CN" altLang="en-US" dirty="0"/>
               <a:t>认真做</a:t>
             </a:r>
-            <a:endParaRPr lang="en-US" altLang="zh-CN" dirty="0" smtClean="0"/>
+            <a:endParaRPr lang="en-US" altLang="zh-CN" dirty="0"/>
           </a:p>
           <a:p>
             <a:pPr marL="449262" lvl="1" indent="0">
@@ -14154,7 +14169,7 @@
               <a:pPr>
                 <a:defRPr/>
               </a:pPr>
-              <a:t>2019/11/8</a:t>
+              <a:t>2019/11/11</a:t>
             </a:fld>
             <a:endParaRPr lang="en-US" altLang="zh-CN"/>
           </a:p>
@@ -14235,10 +14250,9 @@
           <a:lstStyle/>
           <a:p>
             <a:r>
-              <a:rPr lang="zh-CN" altLang="en-US" dirty="0" smtClean="0"/>
+              <a:rPr lang="zh-CN" altLang="en-US" dirty="0"/>
               <a:t>概念</a:t>
             </a:r>
-            <a:endParaRPr lang="zh-CN" altLang="en-US" dirty="0"/>
           </a:p>
         </p:txBody>
       </p:sp>
@@ -14263,58 +14277,58 @@
           <a:lstStyle/>
           <a:p>
             <a:r>
-              <a:rPr lang="zh-CN" altLang="en-US" dirty="0" smtClean="0"/>
+              <a:rPr lang="zh-CN" altLang="en-US" dirty="0"/>
               <a:t>一个</a:t>
             </a:r>
             <a:r>
-              <a:rPr lang="en-US" altLang="zh-CN" dirty="0" smtClean="0"/>
+              <a:rPr lang="en-US" altLang="zh-CN" dirty="0"/>
               <a:t>API</a:t>
             </a:r>
             <a:r>
-              <a:rPr lang="zh-CN" altLang="en-US" dirty="0" smtClean="0"/>
+              <a:rPr lang="zh-CN" altLang="en-US" dirty="0"/>
               <a:t>映射                 满足</a:t>
             </a:r>
             <a:r>
-              <a:rPr lang="en-US" altLang="zh-CN" dirty="0" smtClean="0"/>
+              <a:rPr lang="en-US" altLang="zh-CN" dirty="0"/>
               <a:t>3</a:t>
             </a:r>
             <a:r>
-              <a:rPr lang="zh-CN" altLang="en-US" dirty="0" smtClean="0"/>
+              <a:rPr lang="zh-CN" altLang="en-US" dirty="0"/>
               <a:t>个条件：</a:t>
             </a:r>
-            <a:endParaRPr lang="en-US" altLang="zh-CN" dirty="0" smtClean="0"/>
+            <a:endParaRPr lang="en-US" altLang="zh-CN" dirty="0"/>
           </a:p>
           <a:p>
             <a:pPr lvl="1"/>
             <a:r>
-              <a:rPr lang="zh-CN" altLang="en-US" dirty="0" smtClean="0"/>
+              <a:rPr lang="zh-CN" altLang="en-US" dirty="0"/>
               <a:t>映射的形参代表相同的实体；</a:t>
             </a:r>
-            <a:endParaRPr lang="en-US" altLang="zh-CN" dirty="0" smtClean="0"/>
+            <a:endParaRPr lang="en-US" altLang="zh-CN" dirty="0"/>
           </a:p>
           <a:p>
             <a:pPr lvl="1"/>
             <a:r>
-              <a:rPr lang="en-US" altLang="zh-CN" dirty="0" smtClean="0"/>
+              <a:rPr lang="en-US" altLang="zh-CN" dirty="0"/>
               <a:t>   </a:t>
             </a:r>
             <a:r>
-              <a:rPr lang="zh-CN" altLang="en-US" dirty="0" smtClean="0"/>
+              <a:rPr lang="zh-CN" altLang="en-US" dirty="0"/>
               <a:t>和     实现了同一功能；</a:t>
             </a:r>
-            <a:endParaRPr lang="en-US" altLang="zh-CN" dirty="0" smtClean="0"/>
+            <a:endParaRPr lang="en-US" altLang="zh-CN" dirty="0"/>
           </a:p>
           <a:p>
             <a:pPr lvl="1"/>
             <a:r>
-              <a:rPr lang="zh-CN" altLang="en-US" dirty="0" smtClean="0"/>
+              <a:rPr lang="zh-CN" altLang="en-US" dirty="0"/>
               <a:t>    和       的输出代表相同的实体，并且形参的最终状态相同。</a:t>
             </a:r>
-            <a:endParaRPr lang="en-US" altLang="zh-CN" dirty="0" smtClean="0"/>
-          </a:p>
-          <a:p>
-            <a:r>
-              <a:rPr lang="zh-CN" altLang="en-US" dirty="0" smtClean="0"/>
+            <a:endParaRPr lang="en-US" altLang="zh-CN" dirty="0"/>
+          </a:p>
+          <a:p>
+            <a:r>
+              <a:rPr lang="zh-CN" altLang="en-US" dirty="0"/>
               <a:t>形参绑定</a:t>
             </a:r>
             <a:endParaRPr lang="en-US" altLang="zh-CN" dirty="0"/>
@@ -14322,14 +14336,13 @@
           <a:p>
             <a:pPr lvl="1"/>
             <a:r>
-              <a:rPr lang="en-US" altLang="zh-CN" dirty="0" smtClean="0"/>
+              <a:rPr lang="en-US" altLang="zh-CN" dirty="0"/>
               <a:t>             </a:t>
             </a:r>
             <a:r>
-              <a:rPr lang="zh-CN" altLang="en-US" dirty="0" smtClean="0"/>
+              <a:rPr lang="zh-CN" altLang="en-US" dirty="0"/>
               <a:t>的形参对应关系称为形参绑定。</a:t>
             </a:r>
-            <a:endParaRPr lang="zh-CN" altLang="en-US" dirty="0"/>
           </a:p>
         </p:txBody>
       </p:sp>
@@ -14356,7 +14369,7 @@
               <a:pPr>
                 <a:defRPr/>
               </a:pPr>
-              <a:t>2019/11/8</a:t>
+              <a:t>2019/11/11</a:t>
             </a:fld>
             <a:endParaRPr lang="en-US" altLang="zh-CN"/>
           </a:p>
@@ -14892,7 +14905,7 @@
                 <a:buNone/>
                 <a:tabLst/>
               </a:pPr>
-              <a:endParaRPr kumimoji="0" lang="zh-CN" altLang="en-US" sz="1800" b="0" i="0" u="none" strike="noStrike" cap="none" normalizeH="0" baseline="0" dirty="0" smtClean="0">
+              <a:endParaRPr kumimoji="0" lang="zh-CN" altLang="en-US" sz="1800" b="0" i="0" u="none" strike="noStrike" cap="none" normalizeH="0" baseline="0" dirty="0">
                 <a:ln>
                   <a:noFill/>
                 </a:ln>
@@ -15042,7 +15055,7 @@
                 <a:buNone/>
                 <a:tabLst/>
               </a:pPr>
-              <a:endParaRPr kumimoji="0" lang="zh-CN" altLang="en-US" sz="1800" b="0" i="0" u="none" strike="noStrike" cap="none" normalizeH="0" baseline="0" dirty="0" smtClean="0">
+              <a:endParaRPr kumimoji="0" lang="zh-CN" altLang="en-US" sz="1800" b="0" i="0" u="none" strike="noStrike" cap="none" normalizeH="0" baseline="0" dirty="0">
                 <a:ln>
                   <a:noFill/>
                 </a:ln>
@@ -15123,38 +15136,30 @@
           <a:lstStyle/>
           <a:p>
             <a:r>
-              <a:rPr lang="zh-CN" altLang="en-US" b="1" dirty="0" smtClean="0"/>
+              <a:rPr lang="zh-CN" altLang="en-US" b="1" dirty="0"/>
               <a:t>位置矩阵</a:t>
             </a:r>
             <a:r>
-              <a:rPr lang="zh-CN" altLang="en-US" dirty="0" smtClean="0"/>
+              <a:rPr lang="zh-CN" altLang="en-US" dirty="0"/>
               <a:t>：</a:t>
             </a:r>
             <a:r>
-              <a:rPr lang="en-US" altLang="zh-CN" dirty="0" smtClean="0"/>
-              <a:t>[[</a:t>
-            </a:r>
-            <a:r>
               <a:rPr lang="en-US" altLang="zh-CN" dirty="0"/>
-              <a:t>0,2],[1]]</a:t>
-            </a:r>
-          </a:p>
-          <a:p>
-            <a:r>
-              <a:rPr lang="zh-CN" altLang="en-US" b="1" dirty="0" smtClean="0"/>
+              <a:t>[[0,2],[1]]</a:t>
+            </a:r>
+          </a:p>
+          <a:p>
+            <a:r>
+              <a:rPr lang="zh-CN" altLang="en-US" b="1" dirty="0"/>
               <a:t>可视化矩阵</a:t>
             </a:r>
             <a:r>
-              <a:rPr lang="zh-CN" altLang="en-US" dirty="0" smtClean="0"/>
+              <a:rPr lang="zh-CN" altLang="en-US" dirty="0"/>
               <a:t>：</a:t>
             </a:r>
             <a:r>
-              <a:rPr lang="en-US" altLang="zh-CN" dirty="0" smtClean="0"/>
-              <a:t>[[</a:t>
-            </a:r>
-            <a:r>
               <a:rPr lang="en-US" altLang="zh-CN" dirty="0"/>
-              <a:t>'</a:t>
+              <a:t>[['</a:t>
             </a:r>
             <a:r>
               <a:rPr lang="en-US" altLang="zh-CN" dirty="0" err="1"/>
@@ -15162,51 +15167,46 @@
             </a:r>
             <a:r>
               <a:rPr lang="en-US" altLang="zh-CN" dirty="0"/>
-              <a:t>'],['Element</a:t>
-            </a:r>
-            <a:r>
-              <a:rPr lang="en-US" altLang="zh-CN" dirty="0" smtClean="0"/>
-              <a:t>']]</a:t>
-            </a:r>
-          </a:p>
-          <a:p>
-            <a:r>
-              <a:rPr lang="zh-CN" altLang="en-US" sz="1600" dirty="0" smtClean="0"/>
+              <a:t>'],['Element']]</a:t>
+            </a:r>
+          </a:p>
+          <a:p>
+            <a:r>
+              <a:rPr lang="zh-CN" altLang="en-US" sz="1600" dirty="0"/>
               <a:t>其中矩阵的第</a:t>
             </a:r>
             <a:r>
-              <a:rPr lang="en-US" altLang="zh-CN" sz="1600" dirty="0" smtClean="0"/>
+              <a:rPr lang="en-US" altLang="zh-CN" sz="1600" dirty="0"/>
               <a:t>i</a:t>
             </a:r>
             <a:r>
-              <a:rPr lang="zh-CN" altLang="en-US" sz="1600" dirty="0" smtClean="0"/>
+              <a:rPr lang="zh-CN" altLang="en-US" sz="1600" dirty="0"/>
               <a:t>行代表</a:t>
             </a:r>
             <a:r>
-              <a:rPr lang="en-US" altLang="zh-CN" sz="1600" dirty="0" smtClean="0"/>
+              <a:rPr lang="en-US" altLang="zh-CN" sz="1600" dirty="0"/>
               <a:t>Java</a:t>
             </a:r>
             <a:r>
-              <a:rPr lang="zh-CN" altLang="en-US" sz="1600" dirty="0" smtClean="0"/>
+              <a:rPr lang="zh-CN" altLang="en-US" sz="1600" dirty="0"/>
               <a:t>的第</a:t>
             </a:r>
             <a:r>
-              <a:rPr lang="en-US" altLang="zh-CN" sz="1600" dirty="0" smtClean="0"/>
+              <a:rPr lang="en-US" altLang="zh-CN" sz="1600" dirty="0"/>
               <a:t>i</a:t>
             </a:r>
             <a:r>
-              <a:rPr lang="zh-CN" altLang="en-US" sz="1600" dirty="0" smtClean="0"/>
+              <a:rPr lang="zh-CN" altLang="en-US" sz="1600" dirty="0"/>
               <a:t>个形参对应到</a:t>
             </a:r>
             <a:r>
-              <a:rPr lang="en-US" altLang="zh-CN" sz="1600" dirty="0" smtClean="0"/>
+              <a:rPr lang="en-US" altLang="zh-CN" sz="1600" dirty="0"/>
               <a:t>Swift</a:t>
             </a:r>
             <a:r>
-              <a:rPr lang="zh-CN" altLang="en-US" sz="1600" dirty="0" smtClean="0"/>
+              <a:rPr lang="zh-CN" altLang="en-US" sz="1600" dirty="0"/>
               <a:t>的形参信息</a:t>
             </a:r>
-            <a:endParaRPr lang="zh-CN" altLang="en-US" sz="1600" dirty="0"/>
           </a:p>
         </p:txBody>
       </p:sp>
@@ -15220,13 +15220,6 @@
   <p:clrMapOvr>
     <a:masterClrMapping/>
   </p:clrMapOvr>
-  <p:timing>
-    <p:tnLst>
-      <p:par>
-        <p:cTn id="1" dur="indefinite" restart="never" nodeType="tmRoot"/>
-      </p:par>
-    </p:tnLst>
-  </p:timing>
 </p:sld>
 </file>
 
@@ -15272,10 +15265,9 @@
               <a:t>all_api_map_benchmark.xlsx</a:t>
             </a:r>
             <a:r>
-              <a:rPr lang="zh-CN" altLang="en-US" dirty="0" smtClean="0"/>
+              <a:rPr lang="zh-CN" altLang="en-US" dirty="0"/>
               <a:t>解释</a:t>
             </a:r>
-            <a:endParaRPr lang="zh-CN" altLang="en-US" dirty="0"/>
           </a:p>
         </p:txBody>
       </p:sp>
@@ -15295,116 +15287,95 @@
           <a:lstStyle/>
           <a:p>
             <a:r>
-              <a:rPr lang="zh-CN" altLang="en-US" dirty="0" smtClean="0"/>
+              <a:rPr lang="zh-CN" altLang="en-US" dirty="0"/>
               <a:t>第一列是</a:t>
             </a:r>
             <a:r>
-              <a:rPr lang="en-US" altLang="zh-CN" dirty="0" smtClean="0"/>
+              <a:rPr lang="en-US" altLang="zh-CN" dirty="0"/>
               <a:t>Java API </a:t>
             </a:r>
           </a:p>
           <a:p>
             <a:pPr lvl="1"/>
-            <a:r>
-              <a:rPr lang="en-US" altLang="zh-CN" dirty="0" smtClean="0"/>
-              <a:t>Signature,</a:t>
-            </a:r>
-            <a:r>
-              <a:rPr lang="zh-CN" altLang="en-US" dirty="0" smtClean="0"/>
-              <a:t>方法描述，返回值描述，形参描述</a:t>
-            </a:r>
-            <a:endParaRPr lang="en-US" altLang="zh-CN" dirty="0" smtClean="0"/>
-          </a:p>
-          <a:p>
-            <a:r>
-              <a:rPr lang="zh-CN" altLang="en-US" dirty="0" smtClean="0"/>
-              <a:t>之后每一列是对应的</a:t>
-            </a:r>
-            <a:r>
-              <a:rPr lang="en-US" altLang="zh-CN" dirty="0" smtClean="0"/>
-              <a:t>Swift API</a:t>
-            </a:r>
-            <a:r>
-              <a:rPr lang="zh-CN" altLang="en-US" dirty="0" smtClean="0"/>
-              <a:t>映射</a:t>
-            </a:r>
-            <a:endParaRPr lang="en-US" altLang="zh-CN" dirty="0" smtClean="0"/>
-          </a:p>
-          <a:p>
-            <a:pPr lvl="1"/>
-            <a:r>
-              <a:rPr lang="zh-CN" altLang="en-US" dirty="0"/>
-              <a:t>第</a:t>
-            </a:r>
-            <a:r>
-              <a:rPr lang="zh-CN" altLang="en-US" dirty="0" smtClean="0"/>
-              <a:t>一行是</a:t>
-            </a:r>
             <a:r>
               <a:rPr lang="en-US" altLang="zh-CN" dirty="0"/>
               <a:t>Signature,</a:t>
             </a:r>
             <a:r>
               <a:rPr lang="zh-CN" altLang="en-US" dirty="0"/>
-              <a:t>方法描述，返回值描述，形参</a:t>
-            </a:r>
-            <a:r>
-              <a:rPr lang="zh-CN" altLang="en-US" dirty="0" smtClean="0"/>
-              <a:t>描述</a:t>
-            </a:r>
-            <a:endParaRPr lang="en-US" altLang="zh-CN" dirty="0" smtClean="0"/>
+              <a:t>方法描述，返回值描述，形参描述</a:t>
+            </a:r>
+            <a:endParaRPr lang="en-US" altLang="zh-CN" dirty="0"/>
+          </a:p>
+          <a:p>
+            <a:r>
+              <a:rPr lang="zh-CN" altLang="en-US" dirty="0"/>
+              <a:t>之后每一列是对应的</a:t>
+            </a:r>
+            <a:r>
+              <a:rPr lang="en-US" altLang="zh-CN" dirty="0"/>
+              <a:t>Swift API</a:t>
+            </a:r>
+            <a:r>
+              <a:rPr lang="zh-CN" altLang="en-US" dirty="0"/>
+              <a:t>映射</a:t>
+            </a:r>
+            <a:endParaRPr lang="en-US" altLang="zh-CN" dirty="0"/>
           </a:p>
           <a:p>
             <a:pPr lvl="1"/>
             <a:r>
               <a:rPr lang="zh-CN" altLang="en-US" dirty="0"/>
-              <a:t>第二</a:t>
-            </a:r>
-            <a:r>
-              <a:rPr lang="zh-CN" altLang="en-US" dirty="0" smtClean="0"/>
-              <a:t>行是标记是否为</a:t>
-            </a:r>
-            <a:r>
-              <a:rPr lang="en-US" altLang="zh-CN" dirty="0" smtClean="0"/>
+              <a:t>第一行是</a:t>
+            </a:r>
+            <a:r>
+              <a:rPr lang="en-US" altLang="zh-CN" dirty="0"/>
+              <a:t>Signature,</a:t>
+            </a:r>
+            <a:r>
+              <a:rPr lang="zh-CN" altLang="en-US" dirty="0"/>
+              <a:t>方法描述，返回值描述，形参描述</a:t>
+            </a:r>
+            <a:endParaRPr lang="en-US" altLang="zh-CN" dirty="0"/>
+          </a:p>
+          <a:p>
+            <a:pPr lvl="1"/>
+            <a:r>
+              <a:rPr lang="zh-CN" altLang="en-US" dirty="0"/>
+              <a:t>第二行是标记是否为</a:t>
+            </a:r>
+            <a:r>
+              <a:rPr lang="en-US" altLang="zh-CN" dirty="0"/>
               <a:t>API </a:t>
             </a:r>
             <a:r>
-              <a:rPr lang="zh-CN" altLang="en-US" dirty="0" smtClean="0"/>
+              <a:rPr lang="zh-CN" altLang="en-US" dirty="0"/>
               <a:t>映射以及</a:t>
             </a:r>
             <a:r>
-              <a:rPr lang="en-US" altLang="zh-CN" dirty="0" smtClean="0"/>
+              <a:rPr lang="en-US" altLang="zh-CN" dirty="0"/>
               <a:t>API</a:t>
             </a:r>
             <a:r>
-              <a:rPr lang="zh-CN" altLang="en-US" dirty="0" smtClean="0"/>
+              <a:rPr lang="zh-CN" altLang="en-US" dirty="0"/>
               <a:t>声明</a:t>
             </a:r>
-            <a:endParaRPr lang="en-US" altLang="zh-CN" dirty="0" smtClean="0"/>
+            <a:endParaRPr lang="en-US" altLang="zh-CN" dirty="0"/>
           </a:p>
           <a:p>
             <a:pPr lvl="1"/>
             <a:r>
               <a:rPr lang="zh-CN" altLang="en-US" dirty="0"/>
-              <a:t>第三</a:t>
-            </a:r>
-            <a:r>
-              <a:rPr lang="zh-CN" altLang="en-US" dirty="0" smtClean="0"/>
-              <a:t>行是形参绑定关系</a:t>
-            </a:r>
-            <a:endParaRPr lang="en-US" altLang="zh-CN" dirty="0" smtClean="0"/>
+              <a:t>第三行是形参绑定关系</a:t>
+            </a:r>
+            <a:endParaRPr lang="en-US" altLang="zh-CN" dirty="0"/>
           </a:p>
           <a:p>
             <a:pPr lvl="1"/>
             <a:r>
               <a:rPr lang="zh-CN" altLang="en-US" dirty="0"/>
-              <a:t>第四</a:t>
-            </a:r>
-            <a:r>
-              <a:rPr lang="zh-CN" altLang="en-US" dirty="0" smtClean="0"/>
-              <a:t>行是示例代码</a:t>
-            </a:r>
-            <a:endParaRPr lang="zh-CN" altLang="en-US" dirty="0"/>
+              <a:t>第四行是示例代码</a:t>
+            </a:r>
           </a:p>
         </p:txBody>
       </p:sp>
@@ -15431,7 +15402,7 @@
               <a:pPr>
                 <a:defRPr/>
               </a:pPr>
-              <a:t>2019/11/8</a:t>
+              <a:t>2019/11/11</a:t>
             </a:fld>
             <a:endParaRPr lang="en-US" altLang="zh-CN"/>
           </a:p>
@@ -15512,10 +15483,9 @@
           <a:lstStyle/>
           <a:p>
             <a:r>
-              <a:rPr lang="zh-CN" altLang="en-US" dirty="0" smtClean="0"/>
+              <a:rPr lang="zh-CN" altLang="en-US" dirty="0"/>
               <a:t>特殊说明</a:t>
             </a:r>
-            <a:endParaRPr lang="zh-CN" altLang="en-US" dirty="0"/>
           </a:p>
         </p:txBody>
       </p:sp>
@@ -15540,54 +15510,50 @@
           <a:lstStyle/>
           <a:p>
             <a:r>
-              <a:rPr lang="zh-CN" altLang="en-US" dirty="0" smtClean="0"/>
+              <a:rPr lang="zh-CN" altLang="en-US" dirty="0"/>
               <a:t>对于一对多的</a:t>
             </a:r>
             <a:r>
-              <a:rPr lang="en-US" altLang="zh-CN" dirty="0" smtClean="0"/>
+              <a:rPr lang="en-US" altLang="zh-CN" dirty="0"/>
               <a:t>Swift API</a:t>
             </a:r>
             <a:r>
-              <a:rPr lang="zh-CN" altLang="en-US" dirty="0" smtClean="0"/>
+              <a:rPr lang="zh-CN" altLang="en-US" dirty="0"/>
               <a:t>序列</a:t>
             </a:r>
-            <a:endParaRPr lang="en-US" altLang="zh-CN" dirty="0" smtClean="0"/>
+            <a:endParaRPr lang="en-US" altLang="zh-CN" dirty="0"/>
           </a:p>
           <a:p>
             <a:pPr lvl="1"/>
             <a:r>
               <a:rPr lang="zh-CN" altLang="en-US" dirty="0"/>
-              <a:t>每一</a:t>
-            </a:r>
-            <a:r>
-              <a:rPr lang="zh-CN" altLang="en-US" dirty="0" smtClean="0"/>
-              <a:t>个</a:t>
-            </a:r>
-            <a:r>
-              <a:rPr lang="en-US" altLang="zh-CN" dirty="0" smtClean="0"/>
+              <a:t>每一个</a:t>
+            </a:r>
+            <a:r>
+              <a:rPr lang="en-US" altLang="zh-CN" dirty="0"/>
               <a:t>Swift API </a:t>
             </a:r>
             <a:r>
-              <a:rPr lang="zh-CN" altLang="en-US" dirty="0" smtClean="0"/>
+              <a:rPr lang="zh-CN" altLang="en-US" dirty="0"/>
               <a:t>用“</a:t>
             </a:r>
             <a:r>
-              <a:rPr lang="en-US" altLang="zh-CN" dirty="0" smtClean="0"/>
+              <a:rPr lang="en-US" altLang="zh-CN" dirty="0"/>
               <a:t>------------------\n</a:t>
             </a:r>
             <a:r>
-              <a:rPr lang="zh-CN" altLang="en-US" dirty="0" smtClean="0"/>
+              <a:rPr lang="zh-CN" altLang="en-US" dirty="0"/>
               <a:t>”分隔</a:t>
             </a:r>
-            <a:endParaRPr lang="en-US" altLang="zh-CN" dirty="0" smtClean="0"/>
+            <a:endParaRPr lang="en-US" altLang="zh-CN" dirty="0"/>
           </a:p>
           <a:p>
             <a:pPr lvl="1"/>
             <a:r>
-              <a:rPr lang="zh-CN" altLang="en-US" dirty="0" smtClean="0"/>
+              <a:rPr lang="zh-CN" altLang="en-US" dirty="0"/>
               <a:t>形参的拼接按序拼接</a:t>
             </a:r>
-            <a:endParaRPr lang="en-US" altLang="zh-CN" dirty="0" smtClean="0"/>
+            <a:endParaRPr lang="en-US" altLang="zh-CN" dirty="0"/>
           </a:p>
           <a:p>
             <a:pPr lvl="1"/>
@@ -15595,7 +15561,7 @@
           </a:p>
           <a:p>
             <a:pPr lvl="1"/>
-            <a:endParaRPr lang="en-US" altLang="zh-CN" dirty="0" smtClean="0"/>
+            <a:endParaRPr lang="en-US" altLang="zh-CN" dirty="0"/>
           </a:p>
           <a:p>
             <a:pPr lvl="1"/>
@@ -15603,47 +15569,38 @@
           </a:p>
           <a:p>
             <a:pPr lvl="1"/>
-            <a:endParaRPr lang="en-US" altLang="zh-CN" dirty="0" smtClean="0"/>
+            <a:endParaRPr lang="en-US" altLang="zh-CN" dirty="0"/>
           </a:p>
           <a:p>
             <a:pPr lvl="1"/>
             <a:r>
-              <a:rPr lang="zh-CN" altLang="en-US" dirty="0" smtClean="0"/>
+              <a:rPr lang="zh-CN" altLang="en-US" dirty="0"/>
               <a:t>形参的映射关系</a:t>
             </a:r>
-            <a:endParaRPr lang="en-US" altLang="zh-CN" dirty="0" smtClean="0"/>
+            <a:endParaRPr lang="en-US" altLang="zh-CN" dirty="0"/>
           </a:p>
           <a:p>
             <a:pPr lvl="2"/>
             <a:r>
               <a:rPr lang="zh-CN" altLang="en-US" dirty="0"/>
-              <a:t>第</a:t>
-            </a:r>
-            <a:r>
-              <a:rPr lang="zh-CN" altLang="en-US" dirty="0" smtClean="0"/>
-              <a:t>一行是位置的对应关系</a:t>
-            </a:r>
-            <a:endParaRPr lang="en-US" altLang="zh-CN" dirty="0" smtClean="0"/>
+              <a:t>第一行是位置的对应关系</a:t>
+            </a:r>
+            <a:endParaRPr lang="en-US" altLang="zh-CN" dirty="0"/>
           </a:p>
           <a:p>
             <a:pPr lvl="2"/>
             <a:r>
               <a:rPr lang="zh-CN" altLang="en-US" dirty="0"/>
-              <a:t>第二</a:t>
-            </a:r>
-            <a:r>
-              <a:rPr lang="zh-CN" altLang="en-US" dirty="0" smtClean="0"/>
-              <a:t>行是形参类型的对应关系</a:t>
-            </a:r>
-            <a:endParaRPr lang="en-US" altLang="zh-CN" dirty="0" smtClean="0"/>
+              <a:t>第二行是形参类型的对应关系</a:t>
+            </a:r>
+            <a:endParaRPr lang="en-US" altLang="zh-CN" dirty="0"/>
           </a:p>
           <a:p>
             <a:pPr lvl="2"/>
             <a:r>
-              <a:rPr lang="zh-CN" altLang="en-US" dirty="0" smtClean="0"/>
+              <a:rPr lang="zh-CN" altLang="en-US" dirty="0"/>
               <a:t>注意位置对应关系和形参类型的对应关系存在回车符</a:t>
             </a:r>
-            <a:endParaRPr lang="zh-CN" altLang="en-US" dirty="0"/>
           </a:p>
         </p:txBody>
       </p:sp>
@@ -15670,7 +15627,7 @@
               <a:pPr>
                 <a:defRPr/>
               </a:pPr>
-              <a:t>2019/11/8</a:t>
+              <a:t>2019/11/11</a:t>
             </a:fld>
             <a:endParaRPr lang="en-US" altLang="zh-CN"/>
           </a:p>
@@ -15855,7 +15812,7 @@
                 <a:buNone/>
                 <a:tabLst/>
               </a:pPr>
-              <a:endParaRPr kumimoji="0" lang="zh-CN" altLang="en-US" sz="1800" b="0" i="0" u="none" strike="noStrike" cap="none" normalizeH="0" baseline="0" dirty="0" smtClean="0">
+              <a:endParaRPr kumimoji="0" lang="zh-CN" altLang="en-US" sz="1800" b="0" i="0" u="none" strike="noStrike" cap="none" normalizeH="0" baseline="0" dirty="0">
                 <a:ln>
                   <a:noFill/>
                 </a:ln>
@@ -15917,11 +15874,11 @@
             <a:lstStyle/>
             <a:p>
               <a:r>
-                <a:rPr lang="zh-CN" altLang="en-US" dirty="0" smtClean="0"/>
+                <a:rPr lang="zh-CN" altLang="en-US" dirty="0"/>
                 <a:t>这里形参顺序变成了</a:t>
               </a:r>
               <a:r>
-                <a:rPr lang="en-US" altLang="zh-CN" dirty="0" smtClean="0">
+                <a:rPr lang="en-US" altLang="zh-CN" dirty="0">
                   <a:solidFill>
                     <a:srgbClr val="FF0000"/>
                   </a:solidFill>
@@ -15929,7 +15886,7 @@
                 <a:t>Array </a:t>
               </a:r>
               <a:r>
-                <a:rPr lang="en-US" altLang="zh-CN" dirty="0" smtClean="0">
+                <a:rPr lang="en-US" altLang="zh-CN" dirty="0">
                   <a:solidFill>
                     <a:srgbClr val="00B050"/>
                   </a:solidFill>
@@ -15937,7 +15894,7 @@
                 <a:t>Element </a:t>
               </a:r>
               <a:r>
-                <a:rPr lang="en-US" altLang="zh-CN" dirty="0" smtClean="0">
+                <a:rPr lang="en-US" altLang="zh-CN" dirty="0">
                   <a:solidFill>
                     <a:srgbClr val="FF0000"/>
                   </a:solidFill>
@@ -15945,14 +15902,14 @@
                 <a:t>Array </a:t>
               </a:r>
               <a:r>
-                <a:rPr lang="en-US" altLang="zh-CN" dirty="0" err="1" smtClean="0"/>
+                <a:rPr lang="en-US" altLang="zh-CN" dirty="0" err="1"/>
                 <a:t>Int</a:t>
               </a:r>
-              <a:endParaRPr lang="en-US" altLang="zh-CN" dirty="0" smtClean="0"/>
+              <a:endParaRPr lang="en-US" altLang="zh-CN" dirty="0"/>
             </a:p>
             <a:p>
               <a:r>
-                <a:rPr kumimoji="0" lang="zh-CN" altLang="en-US" sz="1800" b="0" i="0" u="none" strike="noStrike" cap="none" normalizeH="0" baseline="0" dirty="0" smtClean="0">
+                <a:rPr kumimoji="0" lang="zh-CN" altLang="en-US" sz="1800" b="0" i="0" u="none" strike="noStrike" cap="none" normalizeH="0" baseline="0" dirty="0">
                   <a:ln>
                     <a:noFill/>
                   </a:ln>
@@ -15966,7 +15923,7 @@
                 <a:t>形参的编号为 </a:t>
               </a:r>
               <a:r>
-                <a:rPr kumimoji="0" lang="en-US" altLang="zh-CN" sz="1800" b="0" i="0" u="none" strike="noStrike" cap="none" normalizeH="0" baseline="0" dirty="0" smtClean="0">
+                <a:rPr kumimoji="0" lang="en-US" altLang="zh-CN" sz="1800" b="0" i="0" u="none" strike="noStrike" cap="none" normalizeH="0" baseline="0" dirty="0">
                   <a:ln>
                     <a:noFill/>
                   </a:ln>
@@ -15979,7 +15936,7 @@
                 </a:rPr>
                 <a:t>0 1 2 3</a:t>
               </a:r>
-              <a:endParaRPr kumimoji="0" lang="zh-CN" altLang="en-US" sz="1800" b="0" i="0" u="none" strike="noStrike" cap="none" normalizeH="0" baseline="0" dirty="0" smtClean="0">
+              <a:endParaRPr kumimoji="0" lang="zh-CN" altLang="en-US" sz="1800" b="0" i="0" u="none" strike="noStrike" cap="none" normalizeH="0" baseline="0" dirty="0">
                 <a:ln>
                   <a:noFill/>
                 </a:ln>
@@ -16045,14 +16002,13 @@
           <a:lstStyle/>
           <a:p>
             <a:r>
-              <a:rPr lang="en-US" altLang="zh-CN" dirty="0" err="1" smtClean="0"/>
+              <a:rPr lang="en-US" altLang="zh-CN" dirty="0" err="1"/>
               <a:t>all_api_map_benchmark.xlsx</a:t>
             </a:r>
             <a:r>
-              <a:rPr lang="zh-CN" altLang="en-US" dirty="0" smtClean="0"/>
+              <a:rPr lang="zh-CN" altLang="en-US" dirty="0"/>
               <a:t>例子</a:t>
             </a:r>
-            <a:endParaRPr lang="zh-CN" altLang="en-US" dirty="0"/>
           </a:p>
         </p:txBody>
       </p:sp>
@@ -16077,25 +16033,25 @@
           <a:lstStyle/>
           <a:p>
             <a:r>
-              <a:rPr lang="zh-CN" altLang="en-US" dirty="0" smtClean="0"/>
+              <a:rPr lang="zh-CN" altLang="en-US" dirty="0"/>
               <a:t>对应的</a:t>
             </a:r>
             <a:r>
-              <a:rPr lang="en-US" altLang="zh-CN" dirty="0" smtClean="0"/>
+              <a:rPr lang="en-US" altLang="zh-CN" dirty="0"/>
               <a:t>Swift API</a:t>
             </a:r>
             <a:r>
-              <a:rPr lang="zh-CN" altLang="en-US" dirty="0" smtClean="0"/>
+              <a:rPr lang="zh-CN" altLang="en-US" dirty="0"/>
               <a:t>序列</a:t>
             </a:r>
-            <a:endParaRPr lang="en-US" altLang="zh-CN" dirty="0" smtClean="0"/>
-          </a:p>
-          <a:p>
-            <a:r>
-              <a:rPr lang="zh-CN" altLang="en-US" dirty="0" smtClean="0"/>
+            <a:endParaRPr lang="en-US" altLang="zh-CN" dirty="0"/>
+          </a:p>
+          <a:p>
+            <a:r>
+              <a:rPr lang="zh-CN" altLang="en-US" dirty="0"/>
               <a:t>形参绑定关系</a:t>
             </a:r>
-            <a:endParaRPr lang="en-US" altLang="zh-CN" dirty="0" smtClean="0"/>
+            <a:endParaRPr lang="en-US" altLang="zh-CN" dirty="0"/>
           </a:p>
           <a:p>
             <a:pPr marL="0" indent="0">
@@ -16128,7 +16084,7 @@
               <a:pPr>
                 <a:defRPr/>
               </a:pPr>
-              <a:t>2019/11/8</a:t>
+              <a:t>2019/11/11</a:t>
             </a:fld>
             <a:endParaRPr lang="en-US" altLang="zh-CN"/>
           </a:p>
@@ -16282,7 +16238,6 @@
                 <a:tailEnd type="none" w="med" len="med"/>
               </a:ln>
               <a:effectLst/>
-              <a:extLst/>
             </p:spPr>
             <p:txBody>
               <a:bodyPr vert="horz" wrap="none" lIns="91440" tIns="45720" rIns="91440" bIns="45720" numCol="1" rtlCol="0" anchor="ctr" anchorCtr="0" compatLnSpc="1">
@@ -16308,7 +16263,7 @@
                   <a:buNone/>
                   <a:tabLst/>
                 </a:pPr>
-                <a:endParaRPr kumimoji="0" lang="zh-CN" altLang="en-US" sz="1800" b="0" i="0" u="none" strike="noStrike" cap="none" normalizeH="0" baseline="0" smtClean="0">
+                <a:endParaRPr kumimoji="0" lang="zh-CN" altLang="en-US" sz="1800" b="0" i="0" u="none" strike="noStrike" cap="none" normalizeH="0" baseline="0">
                   <a:ln>
                     <a:noFill/>
                   </a:ln>
@@ -16386,7 +16341,7 @@
                   <a:tabLst/>
                 </a:pPr>
                 <a:r>
-                  <a:rPr lang="en-US" altLang="zh-CN" dirty="0" smtClean="0">
+                  <a:rPr lang="en-US" altLang="zh-CN" dirty="0">
                     <a:solidFill>
                       <a:srgbClr val="FF0000"/>
                     </a:solidFill>
@@ -16394,14 +16349,14 @@
                   <a:t>String$</a:t>
                 </a:r>
                 <a:r>
-                  <a:rPr lang="zh-CN" altLang="en-US" dirty="0" smtClean="0">
+                  <a:rPr lang="zh-CN" altLang="en-US" dirty="0">
                     <a:solidFill>
                       <a:srgbClr val="FF0000"/>
                     </a:solidFill>
                   </a:rPr>
                   <a:t>表示所属类名</a:t>
                 </a:r>
-                <a:endParaRPr lang="en-US" altLang="zh-CN" dirty="0" smtClean="0">
+                <a:endParaRPr lang="en-US" altLang="zh-CN" dirty="0">
                   <a:solidFill>
                     <a:srgbClr val="FF0000"/>
                   </a:solidFill>
@@ -16410,7 +16365,7 @@
               <a:p>
                 <a:pPr algn="ctr" eaLnBrk="1" hangingPunct="1"/>
                 <a:r>
-                  <a:rPr lang="en-US" altLang="zh-CN" dirty="0" smtClean="0">
+                  <a:rPr lang="en-US" altLang="zh-CN" dirty="0">
                     <a:solidFill>
                       <a:srgbClr val="FF0000"/>
                     </a:solidFill>
@@ -16418,7 +16373,7 @@
                   <a:t>Java API</a:t>
                 </a:r>
                 <a:r>
-                  <a:rPr lang="zh-CN" altLang="en-US" dirty="0" smtClean="0">
+                  <a:rPr lang="zh-CN" altLang="en-US" dirty="0">
                     <a:solidFill>
                       <a:srgbClr val="FF0000"/>
                     </a:solidFill>
@@ -16483,7 +16438,7 @@
             <a:p>
               <a:pPr eaLnBrk="1" hangingPunct="1"/>
               <a:r>
-                <a:rPr lang="en-US" altLang="zh-CN" dirty="0" smtClean="0">
+                <a:rPr lang="en-US" altLang="zh-CN" dirty="0">
                   <a:solidFill>
                     <a:srgbClr val="FF0000"/>
                   </a:solidFill>
@@ -16491,7 +16446,7 @@
                 <a:t>Row1</a:t>
               </a:r>
               <a:r>
-                <a:rPr lang="zh-CN" altLang="en-US" dirty="0" smtClean="0">
+                <a:rPr lang="zh-CN" altLang="en-US" dirty="0">
                   <a:solidFill>
                     <a:srgbClr val="FF0000"/>
                   </a:solidFill>
@@ -16499,7 +16454,7 @@
                 <a:t>：是否是</a:t>
               </a:r>
               <a:r>
-                <a:rPr lang="en-US" altLang="zh-CN" dirty="0" smtClean="0">
+                <a:rPr lang="en-US" altLang="zh-CN" dirty="0">
                   <a:solidFill>
                     <a:srgbClr val="FF0000"/>
                   </a:solidFill>
@@ -16507,14 +16462,14 @@
                 <a:t>API</a:t>
               </a:r>
               <a:r>
-                <a:rPr lang="zh-CN" altLang="en-US" dirty="0" smtClean="0">
+                <a:rPr lang="zh-CN" altLang="en-US" dirty="0">
                   <a:solidFill>
                     <a:srgbClr val="FF0000"/>
                   </a:solidFill>
                 </a:rPr>
                 <a:t>映射</a:t>
               </a:r>
-              <a:endParaRPr lang="en-US" altLang="zh-CN" dirty="0" smtClean="0">
+              <a:endParaRPr lang="en-US" altLang="zh-CN" dirty="0">
                 <a:solidFill>
                   <a:srgbClr val="FF0000"/>
                 </a:solidFill>
@@ -16523,7 +16478,7 @@
             <a:p>
               <a:pPr eaLnBrk="1" hangingPunct="1"/>
               <a:r>
-                <a:rPr lang="en-US" altLang="zh-CN" dirty="0" smtClean="0">
+                <a:rPr lang="en-US" altLang="zh-CN" dirty="0">
                   <a:solidFill>
                     <a:srgbClr val="FF0000"/>
                   </a:solidFill>
@@ -16531,7 +16486,7 @@
                 <a:t>Row2:Swift API</a:t>
               </a:r>
               <a:r>
-                <a:rPr lang="zh-CN" altLang="en-US" dirty="0" smtClean="0">
+                <a:rPr lang="zh-CN" altLang="en-US" dirty="0">
                   <a:solidFill>
                     <a:srgbClr val="FF0000"/>
                   </a:solidFill>
@@ -16573,7 +16528,6 @@
               <a:tailEnd type="none" w="med" len="med"/>
             </a:ln>
             <a:effectLst/>
-            <a:extLst/>
           </p:spPr>
           <p:txBody>
             <a:bodyPr vert="horz" wrap="none" lIns="91440" tIns="45720" rIns="91440" bIns="45720" numCol="1" rtlCol="0" anchor="ctr" anchorCtr="0" compatLnSpc="1">
@@ -16599,7 +16553,7 @@
                 <a:buNone/>
                 <a:tabLst/>
               </a:pPr>
-              <a:endParaRPr kumimoji="0" lang="zh-CN" altLang="en-US" sz="1800" b="0" i="0" u="none" strike="noStrike" cap="none" normalizeH="0" baseline="0" smtClean="0">
+              <a:endParaRPr kumimoji="0" lang="zh-CN" altLang="en-US" sz="1800" b="0" i="0" u="none" strike="noStrike" cap="none" normalizeH="0" baseline="0">
                 <a:ln>
                   <a:noFill/>
                 </a:ln>
@@ -16662,7 +16616,7 @@
             <a:p>
               <a:pPr eaLnBrk="1" hangingPunct="1"/>
               <a:r>
-                <a:rPr lang="en-US" altLang="zh-CN" dirty="0" smtClean="0">
+                <a:rPr lang="en-US" altLang="zh-CN" dirty="0">
                   <a:solidFill>
                     <a:srgbClr val="FF0000"/>
                   </a:solidFill>
@@ -16675,17 +16629,9 @@
                     <a:srgbClr val="FF0000"/>
                   </a:solidFill>
                 </a:rPr>
-                <a:t>： </a:t>
+                <a:t>： 形参映射位置</a:t>
               </a:r>
-              <a:r>
-                <a:rPr lang="zh-CN" altLang="en-US" dirty="0" smtClean="0">
-                  <a:solidFill>
-                    <a:srgbClr val="FF0000"/>
-                  </a:solidFill>
-                </a:rPr>
-                <a:t>形参映射位置</a:t>
-              </a:r>
-              <a:endParaRPr lang="en-US" altLang="zh-CN" dirty="0" smtClean="0">
+              <a:endParaRPr lang="en-US" altLang="zh-CN" dirty="0">
                 <a:solidFill>
                   <a:srgbClr val="FF0000"/>
                 </a:solidFill>
@@ -16694,7 +16640,7 @@
             <a:p>
               <a:pPr eaLnBrk="1" hangingPunct="1"/>
               <a:r>
-                <a:rPr lang="en-US" altLang="zh-CN" dirty="0" smtClean="0">
+                <a:rPr lang="en-US" altLang="zh-CN" dirty="0">
                   <a:solidFill>
                     <a:srgbClr val="FF0000"/>
                   </a:solidFill>
@@ -16702,7 +16648,7 @@
                 <a:t>Row2</a:t>
               </a:r>
               <a:r>
-                <a:rPr lang="zh-CN" altLang="en-US" dirty="0" smtClean="0">
+                <a:rPr lang="zh-CN" altLang="en-US" dirty="0">
                   <a:solidFill>
                     <a:srgbClr val="FF0000"/>
                   </a:solidFill>
@@ -16744,7 +16690,6 @@
               <a:tailEnd type="none" w="med" len="med"/>
             </a:ln>
             <a:effectLst/>
-            <a:extLst/>
           </p:spPr>
           <p:txBody>
             <a:bodyPr vert="horz" wrap="none" lIns="91440" tIns="45720" rIns="91440" bIns="45720" numCol="1" rtlCol="0" anchor="ctr" anchorCtr="0" compatLnSpc="1">
@@ -16770,7 +16715,7 @@
                 <a:buNone/>
                 <a:tabLst/>
               </a:pPr>
-              <a:endParaRPr kumimoji="0" lang="zh-CN" altLang="en-US" sz="1800" b="0" i="1" u="none" strike="noStrike" cap="none" normalizeH="0" baseline="0" dirty="0" smtClean="0">
+              <a:endParaRPr kumimoji="0" lang="zh-CN" altLang="en-US" sz="1800" b="0" i="1" u="none" strike="noStrike" cap="none" normalizeH="0" baseline="0" dirty="0">
                 <a:ln>
                   <a:noFill/>
                 </a:ln>
@@ -16833,7 +16778,7 @@
             <a:p>
               <a:pPr eaLnBrk="1" hangingPunct="1"/>
               <a:r>
-                <a:rPr lang="en-US" altLang="zh-CN" dirty="0" smtClean="0">
+                <a:rPr lang="en-US" altLang="zh-CN" dirty="0">
                   <a:solidFill>
                     <a:srgbClr val="FF0000"/>
                   </a:solidFill>
@@ -16841,7 +16786,7 @@
                 <a:t>T</a:t>
               </a:r>
               <a:r>
-                <a:rPr lang="zh-CN" altLang="en-US" dirty="0" smtClean="0">
+                <a:rPr lang="zh-CN" altLang="en-US" dirty="0">
                   <a:solidFill>
                     <a:srgbClr val="FF0000"/>
                   </a:solidFill>
@@ -16919,7 +16864,7 @@
               <a:p>
                 <a:pPr eaLnBrk="1" hangingPunct="1"/>
                 <a:r>
-                  <a:rPr lang="en-US" altLang="zh-CN" dirty="0" smtClean="0">
+                  <a:rPr lang="en-US" altLang="zh-CN" dirty="0">
                     <a:solidFill>
                       <a:srgbClr val="FF0000"/>
                     </a:solidFill>
@@ -16930,7 +16875,7 @@
               <a:p>
                 <a:pPr eaLnBrk="1" hangingPunct="1"/>
                 <a:r>
-                  <a:rPr lang="en-US" altLang="zh-CN" dirty="0" smtClean="0">
+                  <a:rPr lang="en-US" altLang="zh-CN" dirty="0">
                     <a:solidFill>
                       <a:srgbClr val="FF0000"/>
                     </a:solidFill>
@@ -16941,14 +16886,14 @@
               <a:p>
                 <a:pPr eaLnBrk="1" hangingPunct="1"/>
                 <a:r>
-                  <a:rPr lang="zh-CN" altLang="en-US" dirty="0" smtClean="0">
+                  <a:rPr lang="zh-CN" altLang="en-US" dirty="0">
                     <a:solidFill>
                       <a:srgbClr val="FF0000"/>
                     </a:solidFill>
                   </a:rPr>
                   <a:t>自然</a:t>
                 </a:r>
-                <a:endParaRPr lang="en-US" altLang="zh-CN" dirty="0" smtClean="0">
+                <a:endParaRPr lang="en-US" altLang="zh-CN" dirty="0">
                   <a:solidFill>
                     <a:srgbClr val="FF0000"/>
                   </a:solidFill>
@@ -16957,14 +16902,14 @@
               <a:p>
                 <a:pPr eaLnBrk="1" hangingPunct="1"/>
                 <a:r>
-                  <a:rPr lang="zh-CN" altLang="en-US" dirty="0" smtClean="0">
+                  <a:rPr lang="zh-CN" altLang="en-US" dirty="0">
                     <a:solidFill>
                       <a:srgbClr val="FF0000"/>
                     </a:solidFill>
                   </a:rPr>
                   <a:t>语言</a:t>
                 </a:r>
-                <a:endParaRPr lang="en-US" altLang="zh-CN" dirty="0" smtClean="0">
+                <a:endParaRPr lang="en-US" altLang="zh-CN" dirty="0">
                   <a:solidFill>
                     <a:srgbClr val="FF0000"/>
                   </a:solidFill>
@@ -16973,7 +16918,7 @@
               <a:p>
                 <a:pPr eaLnBrk="1" hangingPunct="1"/>
                 <a:r>
-                  <a:rPr lang="zh-CN" altLang="en-US" dirty="0" smtClean="0">
+                  <a:rPr lang="zh-CN" altLang="en-US" dirty="0">
                     <a:solidFill>
                       <a:srgbClr val="FF0000"/>
                     </a:solidFill>
@@ -17015,7 +16960,6 @@
                 <a:tailEnd type="none" w="med" len="med"/>
               </a:ln>
               <a:effectLst/>
-              <a:extLst/>
             </p:spPr>
             <p:txBody>
               <a:bodyPr vert="horz" wrap="none" lIns="91440" tIns="45720" rIns="91440" bIns="45720" numCol="1" rtlCol="0" anchor="ctr" anchorCtr="0" compatLnSpc="1">
@@ -17041,7 +16985,7 @@
                   <a:buNone/>
                   <a:tabLst/>
                 </a:pPr>
-                <a:endParaRPr kumimoji="0" lang="zh-CN" altLang="en-US" sz="1800" b="0" i="0" u="none" strike="noStrike" cap="none" normalizeH="0" baseline="0" smtClean="0">
+                <a:endParaRPr kumimoji="0" lang="zh-CN" altLang="en-US" sz="1800" b="0" i="0" u="none" strike="noStrike" cap="none" normalizeH="0" baseline="0">
                   <a:ln>
                     <a:noFill/>
                   </a:ln>
@@ -17108,25 +17052,20 @@
           <a:lstStyle/>
           <a:p>
             <a:r>
-              <a:rPr lang="en-US" altLang="zh-CN" dirty="0" err="1" smtClean="0"/>
+              <a:rPr lang="en-US" altLang="zh-CN" dirty="0" err="1"/>
               <a:t>all_api_map_benchmark.xlsx</a:t>
             </a:r>
             <a:r>
-              <a:rPr lang="zh-CN" altLang="en-US" dirty="0" smtClean="0"/>
+              <a:rPr lang="zh-CN" altLang="en-US" dirty="0"/>
               <a:t> </a:t>
             </a:r>
             <a:br>
-              <a:rPr lang="zh-CN" altLang="en-US" dirty="0" smtClean="0"/>
+              <a:rPr lang="zh-CN" altLang="en-US" dirty="0"/>
             </a:br>
             <a:r>
-              <a:rPr lang="zh-CN" altLang="en-US" dirty="0" smtClean="0"/>
-              <a:t>一对多</a:t>
-            </a:r>
-            <a:r>
-              <a:rPr lang="zh-CN" altLang="en-US" dirty="0" smtClean="0"/>
-              <a:t>例子</a:t>
-            </a:r>
-            <a:endParaRPr lang="zh-CN" altLang="en-US" dirty="0"/>
+              <a:rPr lang="zh-CN" altLang="en-US" dirty="0"/>
+              <a:t>一对多例子</a:t>
+            </a:r>
           </a:p>
         </p:txBody>
       </p:sp>
@@ -17153,7 +17092,7 @@
               <a:pPr>
                 <a:defRPr/>
               </a:pPr>
-              <a:t>2019/11/8</a:t>
+              <a:t>2019/11/11</a:t>
             </a:fld>
             <a:endParaRPr lang="en-US" altLang="zh-CN"/>
           </a:p>
@@ -17316,7 +17255,7 @@
               <a:tabLst/>
             </a:pPr>
             <a:r>
-              <a:rPr kumimoji="0" lang="zh-CN" altLang="en-US" sz="1800" b="0" i="0" u="none" strike="noStrike" cap="none" normalizeH="0" baseline="0" dirty="0" smtClean="0">
+              <a:rPr kumimoji="0" lang="zh-CN" altLang="en-US" sz="1800" b="0" i="0" u="none" strike="noStrike" cap="none" normalizeH="0" baseline="0" dirty="0">
                 <a:ln>
                   <a:noFill/>
                 </a:ln>
@@ -17330,7 +17269,7 @@
               <a:t>分号分开每个</a:t>
             </a:r>
             <a:r>
-              <a:rPr kumimoji="0" lang="en-US" altLang="zh-CN" sz="1800" b="0" i="0" u="none" strike="noStrike" cap="none" normalizeH="0" baseline="0" dirty="0" smtClean="0">
+              <a:rPr kumimoji="0" lang="en-US" altLang="zh-CN" sz="1800" b="0" i="0" u="none" strike="noStrike" cap="none" normalizeH="0" baseline="0" dirty="0">
                 <a:ln>
                   <a:noFill/>
                 </a:ln>
@@ -17343,7 +17282,7 @@
               </a:rPr>
               <a:t>API</a:t>
             </a:r>
-            <a:endParaRPr kumimoji="0" lang="zh-CN" altLang="en-US" sz="1800" b="0" i="0" u="none" strike="noStrike" cap="none" normalizeH="0" baseline="0" dirty="0" smtClean="0">
+            <a:endParaRPr kumimoji="0" lang="zh-CN" altLang="en-US" sz="1800" b="0" i="0" u="none" strike="noStrike" cap="none" normalizeH="0" baseline="0" dirty="0">
               <a:ln>
                 <a:noFill/>
               </a:ln>
@@ -17384,7 +17323,6 @@
             <a:tailEnd type="none" w="med" len="med"/>
           </a:ln>
           <a:effectLst/>
-          <a:extLst/>
         </p:spPr>
         <p:txBody>
           <a:bodyPr vert="horz" wrap="none" lIns="91440" tIns="45720" rIns="91440" bIns="45720" numCol="1" rtlCol="0" anchor="ctr" anchorCtr="0" compatLnSpc="1">
@@ -17410,7 +17348,7 @@
               <a:buNone/>
               <a:tabLst/>
             </a:pPr>
-            <a:endParaRPr kumimoji="0" lang="zh-CN" altLang="en-US" sz="1800" b="0" i="0" u="none" strike="noStrike" cap="none" normalizeH="0" baseline="0" smtClean="0">
+            <a:endParaRPr kumimoji="0" lang="zh-CN" altLang="en-US" sz="1800" b="0" i="0" u="none" strike="noStrike" cap="none" normalizeH="0" baseline="0">
               <a:ln>
                 <a:noFill/>
               </a:ln>
@@ -17473,7 +17411,7 @@
           <a:p>
             <a:pPr algn="ctr" eaLnBrk="1" hangingPunct="1"/>
             <a:r>
-              <a:rPr lang="en-US" altLang="zh-CN" dirty="0" smtClean="0">
+              <a:rPr lang="en-US" altLang="zh-CN" dirty="0">
                 <a:solidFill>
                   <a:srgbClr val="FF0000"/>
                 </a:solidFill>
@@ -17484,7 +17422,7 @@
           <a:p>
             <a:pPr algn="ctr" eaLnBrk="1" hangingPunct="1"/>
             <a:r>
-              <a:rPr kumimoji="0" lang="zh-CN" altLang="en-US" sz="1800" b="0" i="0" u="none" strike="noStrike" cap="none" normalizeH="0" baseline="0" dirty="0" smtClean="0">
+              <a:rPr kumimoji="0" lang="zh-CN" altLang="en-US" sz="1800" b="0" i="0" u="none" strike="noStrike" cap="none" normalizeH="0" baseline="0" dirty="0">
                 <a:ln>
                   <a:noFill/>
                 </a:ln>
@@ -17498,7 +17436,7 @@
               <a:t>分开每个</a:t>
             </a:r>
             <a:r>
-              <a:rPr kumimoji="0" lang="en-US" altLang="zh-CN" sz="1800" b="0" i="0" u="none" strike="noStrike" cap="none" normalizeH="0" baseline="0" dirty="0" smtClean="0">
+              <a:rPr kumimoji="0" lang="en-US" altLang="zh-CN" sz="1800" b="0" i="0" u="none" strike="noStrike" cap="none" normalizeH="0" baseline="0" dirty="0">
                 <a:ln>
                   <a:noFill/>
                 </a:ln>
@@ -17511,7 +17449,7 @@
               </a:rPr>
               <a:t>API</a:t>
             </a:r>
-            <a:endParaRPr kumimoji="0" lang="zh-CN" altLang="en-US" sz="1800" b="0" i="0" u="none" strike="noStrike" cap="none" normalizeH="0" baseline="0" dirty="0" smtClean="0">
+            <a:endParaRPr kumimoji="0" lang="zh-CN" altLang="en-US" sz="1800" b="0" i="0" u="none" strike="noStrike" cap="none" normalizeH="0" baseline="0" dirty="0">
               <a:ln>
                 <a:noFill/>
               </a:ln>
@@ -17552,7 +17490,6 @@
             <a:tailEnd type="none" w="med" len="med"/>
           </a:ln>
           <a:effectLst/>
-          <a:extLst/>
         </p:spPr>
         <p:txBody>
           <a:bodyPr vert="horz" wrap="none" lIns="91440" tIns="45720" rIns="91440" bIns="45720" numCol="1" rtlCol="0" anchor="ctr" anchorCtr="0" compatLnSpc="1">
@@ -17578,7 +17515,7 @@
               <a:buNone/>
               <a:tabLst/>
             </a:pPr>
-            <a:endParaRPr kumimoji="0" lang="zh-CN" altLang="en-US" sz="1800" b="0" i="0" u="none" strike="noStrike" cap="none" normalizeH="0" baseline="0" smtClean="0">
+            <a:endParaRPr kumimoji="0" lang="zh-CN" altLang="en-US" sz="1800" b="0" i="0" u="none" strike="noStrike" cap="none" normalizeH="0" baseline="0">
               <a:ln>
                 <a:noFill/>
               </a:ln>
@@ -17638,10 +17575,9 @@
           <a:lstStyle/>
           <a:p>
             <a:r>
-              <a:rPr kumimoji="1" lang="zh-CN" altLang="en-US" dirty="0" smtClean="0"/>
+              <a:rPr kumimoji="1" lang="zh-CN" altLang="en-US" dirty="0"/>
               <a:t>示例代码编写规则</a:t>
             </a:r>
-            <a:endParaRPr kumimoji="1" lang="zh-CN" altLang="en-US" dirty="0"/>
           </a:p>
         </p:txBody>
       </p:sp>
@@ -17661,51 +17597,50 @@
           <a:lstStyle/>
           <a:p>
             <a:r>
-              <a:rPr kumimoji="1" lang="zh-CN" altLang="en-US" dirty="0" smtClean="0"/>
+              <a:rPr kumimoji="1" lang="zh-CN" altLang="en-US" dirty="0"/>
               <a:t>代码</a:t>
             </a:r>
           </a:p>
           <a:p>
             <a:pPr lvl="1"/>
             <a:r>
-              <a:rPr kumimoji="1" lang="zh-CN" altLang="en-US" dirty="0" smtClean="0"/>
+              <a:rPr kumimoji="1" lang="zh-CN" altLang="en-US" dirty="0"/>
               <a:t>类命名</a:t>
             </a:r>
           </a:p>
           <a:p>
             <a:pPr lvl="1"/>
             <a:r>
-              <a:rPr kumimoji="1" lang="zh-CN" altLang="en-US" dirty="0" smtClean="0"/>
+              <a:rPr kumimoji="1" lang="zh-CN" altLang="en-US" dirty="0"/>
               <a:t>方法名命名</a:t>
             </a:r>
           </a:p>
           <a:p>
             <a:pPr lvl="1"/>
             <a:r>
-              <a:rPr kumimoji="1" lang="zh-CN" altLang="en-US" dirty="0" smtClean="0"/>
+              <a:rPr kumimoji="1" lang="zh-CN" altLang="en-US" dirty="0"/>
               <a:t>方法体</a:t>
             </a:r>
           </a:p>
           <a:p>
             <a:r>
-              <a:rPr kumimoji="1" lang="zh-CN" altLang="en-US" dirty="0" smtClean="0"/>
+              <a:rPr kumimoji="1" lang="zh-CN" altLang="en-US" dirty="0"/>
               <a:t>注释</a:t>
             </a:r>
           </a:p>
           <a:p>
             <a:pPr lvl="1"/>
             <a:r>
-              <a:rPr kumimoji="1" lang="zh-CN" altLang="en-US" dirty="0" smtClean="0"/>
+              <a:rPr kumimoji="1" lang="zh-CN" altLang="en-US" dirty="0"/>
               <a:t>类注释</a:t>
             </a:r>
           </a:p>
           <a:p>
             <a:pPr lvl="1"/>
             <a:r>
-              <a:rPr kumimoji="1" lang="zh-CN" altLang="en-US" dirty="0" smtClean="0"/>
+              <a:rPr kumimoji="1" lang="zh-CN" altLang="en-US" dirty="0"/>
               <a:t>方法注释</a:t>
             </a:r>
-            <a:endParaRPr kumimoji="1" lang="zh-CN" altLang="en-US" dirty="0"/>
           </a:p>
         </p:txBody>
       </p:sp>
@@ -17732,7 +17667,7 @@
               <a:pPr>
                 <a:defRPr/>
               </a:pPr>
-              <a:t>2019/11/8</a:t>
+              <a:t>2019/11/11</a:t>
             </a:fld>
             <a:endParaRPr lang="en-US" altLang="zh-CN"/>
           </a:p>
